--- a/Brand-New weather icons/Frame.pptx
+++ b/Brand-New weather icons/Frame.pptx
@@ -6,6 +6,7 @@
   </p:sldMasterIdLst>
   <p:sldIdLst>
     <p:sldId id="256" r:id="rId2"/>
+    <p:sldId id="257" r:id="rId3"/>
   </p:sldIdLst>
   <p:sldSz cx="12192000" cy="6858000"/>
   <p:notesSz cx="6858000" cy="9144000"/>
@@ -3596,7 +3597,7 @@
           <a:lstStyle/>
           <a:p>
             <a:pPr algn="ctr"/>
-            <a:endParaRPr lang="ko-KR" altLang="en-US"/>
+            <a:endParaRPr lang="ko-KR" altLang="en-US" dirty="0"/>
           </a:p>
         </p:txBody>
       </p:sp>
@@ -3604,6 +3605,612 @@
     <p:extLst>
       <p:ext uri="{BB962C8B-B14F-4D97-AF65-F5344CB8AC3E}">
         <p14:creationId xmlns:p14="http://schemas.microsoft.com/office/powerpoint/2010/main" val="597736768"/>
+      </p:ext>
+    </p:extLst>
+  </p:cSld>
+  <p:clrMapOvr>
+    <a:masterClrMapping/>
+  </p:clrMapOvr>
+</p:sld>
+</file>
+
+<file path=ppt/slides/slide2.xml><?xml version="1.0" encoding="utf-8"?>
+<p:sld xmlns:a="http://schemas.openxmlformats.org/drawingml/2006/main" xmlns:r="http://schemas.openxmlformats.org/officeDocument/2006/relationships" xmlns:p="http://schemas.openxmlformats.org/presentationml/2006/main">
+  <p:cSld>
+    <p:spTree>
+      <p:nvGrpSpPr>
+        <p:cNvPr id="1" name=""/>
+        <p:cNvGrpSpPr/>
+        <p:nvPr/>
+      </p:nvGrpSpPr>
+      <p:grpSpPr>
+        <a:xfrm>
+          <a:off x="0" y="0"/>
+          <a:ext cx="0" cy="0"/>
+          <a:chOff x="0" y="0"/>
+          <a:chExt cx="0" cy="0"/>
+        </a:xfrm>
+      </p:grpSpPr>
+      <p:grpSp>
+        <p:nvGrpSpPr>
+          <p:cNvPr id="13" name="그룹 12">
+            <a:extLst>
+              <a:ext uri="{FF2B5EF4-FFF2-40B4-BE49-F238E27FC236}">
+                <a16:creationId xmlns:a16="http://schemas.microsoft.com/office/drawing/2014/main" id="{870FBF4E-27B3-484F-88C9-D92C3C0F4015}"/>
+              </a:ext>
+            </a:extLst>
+          </p:cNvPr>
+          <p:cNvGrpSpPr/>
+          <p:nvPr/>
+        </p:nvGrpSpPr>
+        <p:grpSpPr>
+          <a:xfrm>
+            <a:off x="673216" y="372371"/>
+            <a:ext cx="10845567" cy="6113258"/>
+            <a:chOff x="773184" y="251428"/>
+            <a:chExt cx="10845567" cy="6113258"/>
+          </a:xfrm>
+        </p:grpSpPr>
+        <p:sp>
+          <p:nvSpPr>
+            <p:cNvPr id="12" name="자유형: 도형 11">
+              <a:extLst>
+                <a:ext uri="{FF2B5EF4-FFF2-40B4-BE49-F238E27FC236}">
+                  <a16:creationId xmlns:a16="http://schemas.microsoft.com/office/drawing/2014/main" id="{F92343D1-14E3-4A33-AEA7-5B126761D61A}"/>
+                </a:ext>
+              </a:extLst>
+            </p:cNvPr>
+            <p:cNvSpPr/>
+            <p:nvPr/>
+          </p:nvSpPr>
+          <p:spPr>
+            <a:xfrm>
+              <a:off x="2888608" y="251428"/>
+              <a:ext cx="8730143" cy="5219871"/>
+            </a:xfrm>
+            <a:custGeom>
+              <a:avLst/>
+              <a:gdLst>
+                <a:gd name="connsiteX0" fmla="*/ 3572486 w 9286613"/>
+                <a:gd name="connsiteY0" fmla="*/ 0 h 5552592"/>
+                <a:gd name="connsiteX1" fmla="*/ 5265442 w 9286613"/>
+                <a:gd name="connsiteY1" fmla="*/ 1527749 h 5552592"/>
+                <a:gd name="connsiteX2" fmla="*/ 5269692 w 9286613"/>
+                <a:gd name="connsiteY2" fmla="*/ 1611906 h 5552592"/>
+                <a:gd name="connsiteX3" fmla="*/ 5320143 w 9286613"/>
+                <a:gd name="connsiteY3" fmla="*/ 1565496 h 5552592"/>
+                <a:gd name="connsiteX4" fmla="*/ 6209951 w 9286613"/>
+                <a:gd name="connsiteY4" fmla="*/ 1242182 h 5552592"/>
+                <a:gd name="connsiteX5" fmla="*/ 7601594 w 9286613"/>
+                <a:gd name="connsiteY5" fmla="*/ 2513279 h 5552592"/>
+                <a:gd name="connsiteX6" fmla="*/ 7605758 w 9286613"/>
+                <a:gd name="connsiteY6" fmla="*/ 2596744 h 5552592"/>
+                <a:gd name="connsiteX7" fmla="*/ 7701092 w 9286613"/>
+                <a:gd name="connsiteY7" fmla="*/ 2596744 h 5552592"/>
+                <a:gd name="connsiteX8" fmla="*/ 7701092 w 9286613"/>
+                <a:gd name="connsiteY8" fmla="*/ 2601682 h 5552592"/>
+                <a:gd name="connsiteX9" fmla="*/ 7799490 w 9286613"/>
+                <a:gd name="connsiteY9" fmla="*/ 2596744 h 5552592"/>
+                <a:gd name="connsiteX10" fmla="*/ 9286613 w 9286613"/>
+                <a:gd name="connsiteY10" fmla="*/ 4074668 h 5552592"/>
+                <a:gd name="connsiteX11" fmla="*/ 7799490 w 9286613"/>
+                <a:gd name="connsiteY11" fmla="*/ 5552592 h 5552592"/>
+                <a:gd name="connsiteX12" fmla="*/ 7701092 w 9286613"/>
+                <a:gd name="connsiteY12" fmla="*/ 5547654 h 5552592"/>
+                <a:gd name="connsiteX13" fmla="*/ 7701092 w 9286613"/>
+                <a:gd name="connsiteY13" fmla="*/ 5551066 h 5552592"/>
+                <a:gd name="connsiteX14" fmla="*/ 1761690 w 9286613"/>
+                <a:gd name="connsiteY14" fmla="*/ 5551066 h 5552592"/>
+                <a:gd name="connsiteX15" fmla="*/ 1761690 w 9286613"/>
+                <a:gd name="connsiteY15" fmla="*/ 5545559 h 5552592"/>
+                <a:gd name="connsiteX16" fmla="*/ 1652631 w 9286613"/>
+                <a:gd name="connsiteY16" fmla="*/ 5551066 h 5552592"/>
+                <a:gd name="connsiteX17" fmla="*/ 0 w 9286613"/>
+                <a:gd name="connsiteY17" fmla="*/ 3898435 h 5552592"/>
+                <a:gd name="connsiteX18" fmla="*/ 1652631 w 9286613"/>
+                <a:gd name="connsiteY18" fmla="*/ 2245804 h 5552592"/>
+                <a:gd name="connsiteX19" fmla="*/ 1904311 w 9286613"/>
+                <a:gd name="connsiteY19" fmla="*/ 2264846 h 5552592"/>
+                <a:gd name="connsiteX20" fmla="*/ 1972946 w 9286613"/>
+                <a:gd name="connsiteY20" fmla="*/ 2277990 h 5552592"/>
+                <a:gd name="connsiteX21" fmla="*/ 1947251 w 9286613"/>
+                <a:gd name="connsiteY21" fmla="*/ 2207788 h 5552592"/>
+                <a:gd name="connsiteX22" fmla="*/ 1870744 w 9286613"/>
+                <a:gd name="connsiteY22" fmla="*/ 1701742 h 5552592"/>
+                <a:gd name="connsiteX23" fmla="*/ 3572486 w 9286613"/>
+                <a:gd name="connsiteY23" fmla="*/ 0 h 5552592"/>
+              </a:gdLst>
+              <a:ahLst/>
+              <a:cxnLst>
+                <a:cxn ang="0">
+                  <a:pos x="connsiteX0" y="connsiteY0"/>
+                </a:cxn>
+                <a:cxn ang="0">
+                  <a:pos x="connsiteX1" y="connsiteY1"/>
+                </a:cxn>
+                <a:cxn ang="0">
+                  <a:pos x="connsiteX2" y="connsiteY2"/>
+                </a:cxn>
+                <a:cxn ang="0">
+                  <a:pos x="connsiteX3" y="connsiteY3"/>
+                </a:cxn>
+                <a:cxn ang="0">
+                  <a:pos x="connsiteX4" y="connsiteY4"/>
+                </a:cxn>
+                <a:cxn ang="0">
+                  <a:pos x="connsiteX5" y="connsiteY5"/>
+                </a:cxn>
+                <a:cxn ang="0">
+                  <a:pos x="connsiteX6" y="connsiteY6"/>
+                </a:cxn>
+                <a:cxn ang="0">
+                  <a:pos x="connsiteX7" y="connsiteY7"/>
+                </a:cxn>
+                <a:cxn ang="0">
+                  <a:pos x="connsiteX8" y="connsiteY8"/>
+                </a:cxn>
+                <a:cxn ang="0">
+                  <a:pos x="connsiteX9" y="connsiteY9"/>
+                </a:cxn>
+                <a:cxn ang="0">
+                  <a:pos x="connsiteX10" y="connsiteY10"/>
+                </a:cxn>
+                <a:cxn ang="0">
+                  <a:pos x="connsiteX11" y="connsiteY11"/>
+                </a:cxn>
+                <a:cxn ang="0">
+                  <a:pos x="connsiteX12" y="connsiteY12"/>
+                </a:cxn>
+                <a:cxn ang="0">
+                  <a:pos x="connsiteX13" y="connsiteY13"/>
+                </a:cxn>
+                <a:cxn ang="0">
+                  <a:pos x="connsiteX14" y="connsiteY14"/>
+                </a:cxn>
+                <a:cxn ang="0">
+                  <a:pos x="connsiteX15" y="connsiteY15"/>
+                </a:cxn>
+                <a:cxn ang="0">
+                  <a:pos x="connsiteX16" y="connsiteY16"/>
+                </a:cxn>
+                <a:cxn ang="0">
+                  <a:pos x="connsiteX17" y="connsiteY17"/>
+                </a:cxn>
+                <a:cxn ang="0">
+                  <a:pos x="connsiteX18" y="connsiteY18"/>
+                </a:cxn>
+                <a:cxn ang="0">
+                  <a:pos x="connsiteX19" y="connsiteY19"/>
+                </a:cxn>
+                <a:cxn ang="0">
+                  <a:pos x="connsiteX20" y="connsiteY20"/>
+                </a:cxn>
+                <a:cxn ang="0">
+                  <a:pos x="connsiteX21" y="connsiteY21"/>
+                </a:cxn>
+                <a:cxn ang="0">
+                  <a:pos x="connsiteX22" y="connsiteY22"/>
+                </a:cxn>
+                <a:cxn ang="0">
+                  <a:pos x="connsiteX23" y="connsiteY23"/>
+                </a:cxn>
+              </a:cxnLst>
+              <a:rect l="l" t="t" r="r" b="b"/>
+              <a:pathLst>
+                <a:path w="9286613" h="5552592">
+                  <a:moveTo>
+                    <a:pt x="3572486" y="0"/>
+                  </a:moveTo>
+                  <a:cubicBezTo>
+                    <a:pt x="4453592" y="0"/>
+                    <a:pt x="5178296" y="669635"/>
+                    <a:pt x="5265442" y="1527749"/>
+                  </a:cubicBezTo>
+                  <a:lnTo>
+                    <a:pt x="5269692" y="1611906"/>
+                  </a:lnTo>
+                  <a:lnTo>
+                    <a:pt x="5320143" y="1565496"/>
+                  </a:lnTo>
+                  <a:cubicBezTo>
+                    <a:pt x="5561949" y="1363515"/>
+                    <a:pt x="5871951" y="1242182"/>
+                    <a:pt x="6209951" y="1242182"/>
+                  </a:cubicBezTo>
+                  <a:cubicBezTo>
+                    <a:pt x="6934237" y="1242182"/>
+                    <a:pt x="7529958" y="1799323"/>
+                    <a:pt x="7601594" y="2513279"/>
+                  </a:cubicBezTo>
+                  <a:lnTo>
+                    <a:pt x="7605758" y="2596744"/>
+                  </a:lnTo>
+                  <a:lnTo>
+                    <a:pt x="7701092" y="2596744"/>
+                  </a:lnTo>
+                  <a:lnTo>
+                    <a:pt x="7701092" y="2601682"/>
+                  </a:lnTo>
+                  <a:lnTo>
+                    <a:pt x="7799490" y="2596744"/>
+                  </a:lnTo>
+                  <a:cubicBezTo>
+                    <a:pt x="8620805" y="2596744"/>
+                    <a:pt x="9286613" y="3258433"/>
+                    <a:pt x="9286613" y="4074668"/>
+                  </a:cubicBezTo>
+                  <a:cubicBezTo>
+                    <a:pt x="9286613" y="4890903"/>
+                    <a:pt x="8620805" y="5552592"/>
+                    <a:pt x="7799490" y="5552592"/>
+                  </a:cubicBezTo>
+                  <a:lnTo>
+                    <a:pt x="7701092" y="5547654"/>
+                  </a:lnTo>
+                  <a:lnTo>
+                    <a:pt x="7701092" y="5551066"/>
+                  </a:lnTo>
+                  <a:lnTo>
+                    <a:pt x="1761690" y="5551066"/>
+                  </a:lnTo>
+                  <a:lnTo>
+                    <a:pt x="1761690" y="5545559"/>
+                  </a:lnTo>
+                  <a:lnTo>
+                    <a:pt x="1652631" y="5551066"/>
+                  </a:lnTo>
+                  <a:cubicBezTo>
+                    <a:pt x="739908" y="5551066"/>
+                    <a:pt x="0" y="4811158"/>
+                    <a:pt x="0" y="3898435"/>
+                  </a:cubicBezTo>
+                  <a:cubicBezTo>
+                    <a:pt x="0" y="2985712"/>
+                    <a:pt x="739908" y="2245804"/>
+                    <a:pt x="1652631" y="2245804"/>
+                  </a:cubicBezTo>
+                  <a:cubicBezTo>
+                    <a:pt x="1738199" y="2245804"/>
+                    <a:pt x="1822248" y="2252307"/>
+                    <a:pt x="1904311" y="2264846"/>
+                  </a:cubicBezTo>
+                  <a:lnTo>
+                    <a:pt x="1972946" y="2277990"/>
+                  </a:lnTo>
+                  <a:lnTo>
+                    <a:pt x="1947251" y="2207788"/>
+                  </a:lnTo>
+                  <a:cubicBezTo>
+                    <a:pt x="1897530" y="2047928"/>
+                    <a:pt x="1870744" y="1877963"/>
+                    <a:pt x="1870744" y="1701742"/>
+                  </a:cubicBezTo>
+                  <a:cubicBezTo>
+                    <a:pt x="1870744" y="761896"/>
+                    <a:pt x="2632640" y="0"/>
+                    <a:pt x="3572486" y="0"/>
+                  </a:cubicBezTo>
+                  <a:close/>
+                </a:path>
+              </a:pathLst>
+            </a:custGeom>
+            <a:solidFill>
+              <a:schemeClr val="tx1">
+                <a:lumMod val="75000"/>
+                <a:lumOff val="25000"/>
+              </a:schemeClr>
+            </a:solidFill>
+            <a:ln w="238125">
+              <a:noFill/>
+            </a:ln>
+          </p:spPr>
+          <p:style>
+            <a:lnRef idx="2">
+              <a:schemeClr val="accent1">
+                <a:shade val="50000"/>
+              </a:schemeClr>
+            </a:lnRef>
+            <a:fillRef idx="1">
+              <a:schemeClr val="accent1"/>
+            </a:fillRef>
+            <a:effectRef idx="0">
+              <a:schemeClr val="accent1"/>
+            </a:effectRef>
+            <a:fontRef idx="minor">
+              <a:schemeClr val="lt1"/>
+            </a:fontRef>
+          </p:style>
+          <p:txBody>
+            <a:bodyPr rtlCol="0" anchor="ctr"/>
+            <a:lstStyle/>
+            <a:p>
+              <a:pPr algn="ctr"/>
+              <a:endParaRPr lang="ko-KR" altLang="en-US" dirty="0"/>
+            </a:p>
+          </p:txBody>
+        </p:sp>
+        <p:sp>
+          <p:nvSpPr>
+            <p:cNvPr id="11" name="자유형: 도형 10">
+              <a:extLst>
+                <a:ext uri="{FF2B5EF4-FFF2-40B4-BE49-F238E27FC236}">
+                  <a16:creationId xmlns:a16="http://schemas.microsoft.com/office/drawing/2014/main" id="{9FCFE04F-8F6B-47BF-9188-BC09A9B10E7C}"/>
+                </a:ext>
+              </a:extLst>
+            </p:cNvPr>
+            <p:cNvSpPr/>
+            <p:nvPr/>
+          </p:nvSpPr>
+          <p:spPr>
+            <a:xfrm>
+              <a:off x="773184" y="812094"/>
+              <a:ext cx="9286613" cy="5552592"/>
+            </a:xfrm>
+            <a:custGeom>
+              <a:avLst/>
+              <a:gdLst>
+                <a:gd name="connsiteX0" fmla="*/ 3572486 w 9286613"/>
+                <a:gd name="connsiteY0" fmla="*/ 0 h 5552592"/>
+                <a:gd name="connsiteX1" fmla="*/ 5265442 w 9286613"/>
+                <a:gd name="connsiteY1" fmla="*/ 1527749 h 5552592"/>
+                <a:gd name="connsiteX2" fmla="*/ 5269692 w 9286613"/>
+                <a:gd name="connsiteY2" fmla="*/ 1611906 h 5552592"/>
+                <a:gd name="connsiteX3" fmla="*/ 5320143 w 9286613"/>
+                <a:gd name="connsiteY3" fmla="*/ 1565496 h 5552592"/>
+                <a:gd name="connsiteX4" fmla="*/ 6209951 w 9286613"/>
+                <a:gd name="connsiteY4" fmla="*/ 1242182 h 5552592"/>
+                <a:gd name="connsiteX5" fmla="*/ 7601594 w 9286613"/>
+                <a:gd name="connsiteY5" fmla="*/ 2513279 h 5552592"/>
+                <a:gd name="connsiteX6" fmla="*/ 7605758 w 9286613"/>
+                <a:gd name="connsiteY6" fmla="*/ 2596744 h 5552592"/>
+                <a:gd name="connsiteX7" fmla="*/ 7701092 w 9286613"/>
+                <a:gd name="connsiteY7" fmla="*/ 2596744 h 5552592"/>
+                <a:gd name="connsiteX8" fmla="*/ 7701092 w 9286613"/>
+                <a:gd name="connsiteY8" fmla="*/ 2601682 h 5552592"/>
+                <a:gd name="connsiteX9" fmla="*/ 7799490 w 9286613"/>
+                <a:gd name="connsiteY9" fmla="*/ 2596744 h 5552592"/>
+                <a:gd name="connsiteX10" fmla="*/ 9286613 w 9286613"/>
+                <a:gd name="connsiteY10" fmla="*/ 4074668 h 5552592"/>
+                <a:gd name="connsiteX11" fmla="*/ 7799490 w 9286613"/>
+                <a:gd name="connsiteY11" fmla="*/ 5552592 h 5552592"/>
+                <a:gd name="connsiteX12" fmla="*/ 7701092 w 9286613"/>
+                <a:gd name="connsiteY12" fmla="*/ 5547654 h 5552592"/>
+                <a:gd name="connsiteX13" fmla="*/ 7701092 w 9286613"/>
+                <a:gd name="connsiteY13" fmla="*/ 5551066 h 5552592"/>
+                <a:gd name="connsiteX14" fmla="*/ 1761690 w 9286613"/>
+                <a:gd name="connsiteY14" fmla="*/ 5551066 h 5552592"/>
+                <a:gd name="connsiteX15" fmla="*/ 1761690 w 9286613"/>
+                <a:gd name="connsiteY15" fmla="*/ 5545559 h 5552592"/>
+                <a:gd name="connsiteX16" fmla="*/ 1652631 w 9286613"/>
+                <a:gd name="connsiteY16" fmla="*/ 5551066 h 5552592"/>
+                <a:gd name="connsiteX17" fmla="*/ 0 w 9286613"/>
+                <a:gd name="connsiteY17" fmla="*/ 3898435 h 5552592"/>
+                <a:gd name="connsiteX18" fmla="*/ 1652631 w 9286613"/>
+                <a:gd name="connsiteY18" fmla="*/ 2245804 h 5552592"/>
+                <a:gd name="connsiteX19" fmla="*/ 1904311 w 9286613"/>
+                <a:gd name="connsiteY19" fmla="*/ 2264846 h 5552592"/>
+                <a:gd name="connsiteX20" fmla="*/ 1972946 w 9286613"/>
+                <a:gd name="connsiteY20" fmla="*/ 2277990 h 5552592"/>
+                <a:gd name="connsiteX21" fmla="*/ 1947251 w 9286613"/>
+                <a:gd name="connsiteY21" fmla="*/ 2207788 h 5552592"/>
+                <a:gd name="connsiteX22" fmla="*/ 1870744 w 9286613"/>
+                <a:gd name="connsiteY22" fmla="*/ 1701742 h 5552592"/>
+                <a:gd name="connsiteX23" fmla="*/ 3572486 w 9286613"/>
+                <a:gd name="connsiteY23" fmla="*/ 0 h 5552592"/>
+              </a:gdLst>
+              <a:ahLst/>
+              <a:cxnLst>
+                <a:cxn ang="0">
+                  <a:pos x="connsiteX0" y="connsiteY0"/>
+                </a:cxn>
+                <a:cxn ang="0">
+                  <a:pos x="connsiteX1" y="connsiteY1"/>
+                </a:cxn>
+                <a:cxn ang="0">
+                  <a:pos x="connsiteX2" y="connsiteY2"/>
+                </a:cxn>
+                <a:cxn ang="0">
+                  <a:pos x="connsiteX3" y="connsiteY3"/>
+                </a:cxn>
+                <a:cxn ang="0">
+                  <a:pos x="connsiteX4" y="connsiteY4"/>
+                </a:cxn>
+                <a:cxn ang="0">
+                  <a:pos x="connsiteX5" y="connsiteY5"/>
+                </a:cxn>
+                <a:cxn ang="0">
+                  <a:pos x="connsiteX6" y="connsiteY6"/>
+                </a:cxn>
+                <a:cxn ang="0">
+                  <a:pos x="connsiteX7" y="connsiteY7"/>
+                </a:cxn>
+                <a:cxn ang="0">
+                  <a:pos x="connsiteX8" y="connsiteY8"/>
+                </a:cxn>
+                <a:cxn ang="0">
+                  <a:pos x="connsiteX9" y="connsiteY9"/>
+                </a:cxn>
+                <a:cxn ang="0">
+                  <a:pos x="connsiteX10" y="connsiteY10"/>
+                </a:cxn>
+                <a:cxn ang="0">
+                  <a:pos x="connsiteX11" y="connsiteY11"/>
+                </a:cxn>
+                <a:cxn ang="0">
+                  <a:pos x="connsiteX12" y="connsiteY12"/>
+                </a:cxn>
+                <a:cxn ang="0">
+                  <a:pos x="connsiteX13" y="connsiteY13"/>
+                </a:cxn>
+                <a:cxn ang="0">
+                  <a:pos x="connsiteX14" y="connsiteY14"/>
+                </a:cxn>
+                <a:cxn ang="0">
+                  <a:pos x="connsiteX15" y="connsiteY15"/>
+                </a:cxn>
+                <a:cxn ang="0">
+                  <a:pos x="connsiteX16" y="connsiteY16"/>
+                </a:cxn>
+                <a:cxn ang="0">
+                  <a:pos x="connsiteX17" y="connsiteY17"/>
+                </a:cxn>
+                <a:cxn ang="0">
+                  <a:pos x="connsiteX18" y="connsiteY18"/>
+                </a:cxn>
+                <a:cxn ang="0">
+                  <a:pos x="connsiteX19" y="connsiteY19"/>
+                </a:cxn>
+                <a:cxn ang="0">
+                  <a:pos x="connsiteX20" y="connsiteY20"/>
+                </a:cxn>
+                <a:cxn ang="0">
+                  <a:pos x="connsiteX21" y="connsiteY21"/>
+                </a:cxn>
+                <a:cxn ang="0">
+                  <a:pos x="connsiteX22" y="connsiteY22"/>
+                </a:cxn>
+                <a:cxn ang="0">
+                  <a:pos x="connsiteX23" y="connsiteY23"/>
+                </a:cxn>
+              </a:cxnLst>
+              <a:rect l="l" t="t" r="r" b="b"/>
+              <a:pathLst>
+                <a:path w="9286613" h="5552592">
+                  <a:moveTo>
+                    <a:pt x="3572486" y="0"/>
+                  </a:moveTo>
+                  <a:cubicBezTo>
+                    <a:pt x="4453592" y="0"/>
+                    <a:pt x="5178296" y="669635"/>
+                    <a:pt x="5265442" y="1527749"/>
+                  </a:cubicBezTo>
+                  <a:lnTo>
+                    <a:pt x="5269692" y="1611906"/>
+                  </a:lnTo>
+                  <a:lnTo>
+                    <a:pt x="5320143" y="1565496"/>
+                  </a:lnTo>
+                  <a:cubicBezTo>
+                    <a:pt x="5561949" y="1363515"/>
+                    <a:pt x="5871951" y="1242182"/>
+                    <a:pt x="6209951" y="1242182"/>
+                  </a:cubicBezTo>
+                  <a:cubicBezTo>
+                    <a:pt x="6934237" y="1242182"/>
+                    <a:pt x="7529958" y="1799323"/>
+                    <a:pt x="7601594" y="2513279"/>
+                  </a:cubicBezTo>
+                  <a:lnTo>
+                    <a:pt x="7605758" y="2596744"/>
+                  </a:lnTo>
+                  <a:lnTo>
+                    <a:pt x="7701092" y="2596744"/>
+                  </a:lnTo>
+                  <a:lnTo>
+                    <a:pt x="7701092" y="2601682"/>
+                  </a:lnTo>
+                  <a:lnTo>
+                    <a:pt x="7799490" y="2596744"/>
+                  </a:lnTo>
+                  <a:cubicBezTo>
+                    <a:pt x="8620805" y="2596744"/>
+                    <a:pt x="9286613" y="3258433"/>
+                    <a:pt x="9286613" y="4074668"/>
+                  </a:cubicBezTo>
+                  <a:cubicBezTo>
+                    <a:pt x="9286613" y="4890903"/>
+                    <a:pt x="8620805" y="5552592"/>
+                    <a:pt x="7799490" y="5552592"/>
+                  </a:cubicBezTo>
+                  <a:lnTo>
+                    <a:pt x="7701092" y="5547654"/>
+                  </a:lnTo>
+                  <a:lnTo>
+                    <a:pt x="7701092" y="5551066"/>
+                  </a:lnTo>
+                  <a:lnTo>
+                    <a:pt x="1761690" y="5551066"/>
+                  </a:lnTo>
+                  <a:lnTo>
+                    <a:pt x="1761690" y="5545559"/>
+                  </a:lnTo>
+                  <a:lnTo>
+                    <a:pt x="1652631" y="5551066"/>
+                  </a:lnTo>
+                  <a:cubicBezTo>
+                    <a:pt x="739908" y="5551066"/>
+                    <a:pt x="0" y="4811158"/>
+                    <a:pt x="0" y="3898435"/>
+                  </a:cubicBezTo>
+                  <a:cubicBezTo>
+                    <a:pt x="0" y="2985712"/>
+                    <a:pt x="739908" y="2245804"/>
+                    <a:pt x="1652631" y="2245804"/>
+                  </a:cubicBezTo>
+                  <a:cubicBezTo>
+                    <a:pt x="1738199" y="2245804"/>
+                    <a:pt x="1822248" y="2252307"/>
+                    <a:pt x="1904311" y="2264846"/>
+                  </a:cubicBezTo>
+                  <a:lnTo>
+                    <a:pt x="1972946" y="2277990"/>
+                  </a:lnTo>
+                  <a:lnTo>
+                    <a:pt x="1947251" y="2207788"/>
+                  </a:lnTo>
+                  <a:cubicBezTo>
+                    <a:pt x="1897530" y="2047928"/>
+                    <a:pt x="1870744" y="1877963"/>
+                    <a:pt x="1870744" y="1701742"/>
+                  </a:cubicBezTo>
+                  <a:cubicBezTo>
+                    <a:pt x="1870744" y="761896"/>
+                    <a:pt x="2632640" y="0"/>
+                    <a:pt x="3572486" y="0"/>
+                  </a:cubicBezTo>
+                  <a:close/>
+                </a:path>
+              </a:pathLst>
+            </a:custGeom>
+            <a:solidFill>
+              <a:schemeClr val="bg1">
+                <a:lumMod val="85000"/>
+              </a:schemeClr>
+            </a:solidFill>
+            <a:ln w="238125">
+              <a:noFill/>
+            </a:ln>
+          </p:spPr>
+          <p:style>
+            <a:lnRef idx="2">
+              <a:schemeClr val="accent1">
+                <a:shade val="50000"/>
+              </a:schemeClr>
+            </a:lnRef>
+            <a:fillRef idx="1">
+              <a:schemeClr val="accent1"/>
+            </a:fillRef>
+            <a:effectRef idx="0">
+              <a:schemeClr val="accent1"/>
+            </a:effectRef>
+            <a:fontRef idx="minor">
+              <a:schemeClr val="lt1"/>
+            </a:fontRef>
+          </p:style>
+          <p:txBody>
+            <a:bodyPr rtlCol="0" anchor="ctr"/>
+            <a:lstStyle/>
+            <a:p>
+              <a:pPr algn="ctr"/>
+              <a:endParaRPr lang="ko-KR" altLang="en-US"/>
+            </a:p>
+          </p:txBody>
+        </p:sp>
+      </p:grpSp>
+    </p:spTree>
+    <p:extLst>
+      <p:ext uri="{BB962C8B-B14F-4D97-AF65-F5344CB8AC3E}">
+        <p14:creationId xmlns:p14="http://schemas.microsoft.com/office/powerpoint/2010/main" val="2682208370"/>
       </p:ext>
     </p:extLst>
   </p:cSld>

--- a/Brand-New weather icons/Frame.pptx
+++ b/Brand-New weather icons/Frame.pptx
@@ -7,6 +7,8 @@
   <p:sldIdLst>
     <p:sldId id="256" r:id="rId2"/>
     <p:sldId id="257" r:id="rId3"/>
+    <p:sldId id="258" r:id="rId4"/>
+    <p:sldId id="259" r:id="rId5"/>
   </p:sldIdLst>
   <p:sldSz cx="12192000" cy="6858000"/>
   <p:notesSz cx="6858000" cy="9144000"/>
@@ -260,7 +262,7 @@
           <a:p>
             <a:fld id="{DF63C8CB-9154-4208-8E7E-1C8A89E94898}" type="datetimeFigureOut">
               <a:rPr lang="ko-KR" altLang="en-US" smtClean="0"/>
-              <a:t>2020-11-24</a:t>
+              <a:t>2020-11-25</a:t>
             </a:fld>
             <a:endParaRPr lang="ko-KR" altLang="en-US"/>
           </a:p>
@@ -458,7 +460,7 @@
           <a:p>
             <a:fld id="{DF63C8CB-9154-4208-8E7E-1C8A89E94898}" type="datetimeFigureOut">
               <a:rPr lang="ko-KR" altLang="en-US" smtClean="0"/>
-              <a:t>2020-11-24</a:t>
+              <a:t>2020-11-25</a:t>
             </a:fld>
             <a:endParaRPr lang="ko-KR" altLang="en-US"/>
           </a:p>
@@ -666,7 +668,7 @@
           <a:p>
             <a:fld id="{DF63C8CB-9154-4208-8E7E-1C8A89E94898}" type="datetimeFigureOut">
               <a:rPr lang="ko-KR" altLang="en-US" smtClean="0"/>
-              <a:t>2020-11-24</a:t>
+              <a:t>2020-11-25</a:t>
             </a:fld>
             <a:endParaRPr lang="ko-KR" altLang="en-US"/>
           </a:p>
@@ -864,7 +866,7 @@
           <a:p>
             <a:fld id="{DF63C8CB-9154-4208-8E7E-1C8A89E94898}" type="datetimeFigureOut">
               <a:rPr lang="ko-KR" altLang="en-US" smtClean="0"/>
-              <a:t>2020-11-24</a:t>
+              <a:t>2020-11-25</a:t>
             </a:fld>
             <a:endParaRPr lang="ko-KR" altLang="en-US"/>
           </a:p>
@@ -1139,7 +1141,7 @@
           <a:p>
             <a:fld id="{DF63C8CB-9154-4208-8E7E-1C8A89E94898}" type="datetimeFigureOut">
               <a:rPr lang="ko-KR" altLang="en-US" smtClean="0"/>
-              <a:t>2020-11-24</a:t>
+              <a:t>2020-11-25</a:t>
             </a:fld>
             <a:endParaRPr lang="ko-KR" altLang="en-US"/>
           </a:p>
@@ -1404,7 +1406,7 @@
           <a:p>
             <a:fld id="{DF63C8CB-9154-4208-8E7E-1C8A89E94898}" type="datetimeFigureOut">
               <a:rPr lang="ko-KR" altLang="en-US" smtClean="0"/>
-              <a:t>2020-11-24</a:t>
+              <a:t>2020-11-25</a:t>
             </a:fld>
             <a:endParaRPr lang="ko-KR" altLang="en-US"/>
           </a:p>
@@ -1816,7 +1818,7 @@
           <a:p>
             <a:fld id="{DF63C8CB-9154-4208-8E7E-1C8A89E94898}" type="datetimeFigureOut">
               <a:rPr lang="ko-KR" altLang="en-US" smtClean="0"/>
-              <a:t>2020-11-24</a:t>
+              <a:t>2020-11-25</a:t>
             </a:fld>
             <a:endParaRPr lang="ko-KR" altLang="en-US"/>
           </a:p>
@@ -1957,7 +1959,7 @@
           <a:p>
             <a:fld id="{DF63C8CB-9154-4208-8E7E-1C8A89E94898}" type="datetimeFigureOut">
               <a:rPr lang="ko-KR" altLang="en-US" smtClean="0"/>
-              <a:t>2020-11-24</a:t>
+              <a:t>2020-11-25</a:t>
             </a:fld>
             <a:endParaRPr lang="ko-KR" altLang="en-US"/>
           </a:p>
@@ -2070,7 +2072,7 @@
           <a:p>
             <a:fld id="{DF63C8CB-9154-4208-8E7E-1C8A89E94898}" type="datetimeFigureOut">
               <a:rPr lang="ko-KR" altLang="en-US" smtClean="0"/>
-              <a:t>2020-11-24</a:t>
+              <a:t>2020-11-25</a:t>
             </a:fld>
             <a:endParaRPr lang="ko-KR" altLang="en-US"/>
           </a:p>
@@ -2381,7 +2383,7 @@
           <a:p>
             <a:fld id="{DF63C8CB-9154-4208-8E7E-1C8A89E94898}" type="datetimeFigureOut">
               <a:rPr lang="ko-KR" altLang="en-US" smtClean="0"/>
-              <a:t>2020-11-24</a:t>
+              <a:t>2020-11-25</a:t>
             </a:fld>
             <a:endParaRPr lang="ko-KR" altLang="en-US"/>
           </a:p>
@@ -2669,7 +2671,7 @@
           <a:p>
             <a:fld id="{DF63C8CB-9154-4208-8E7E-1C8A89E94898}" type="datetimeFigureOut">
               <a:rPr lang="ko-KR" altLang="en-US" smtClean="0"/>
-              <a:t>2020-11-24</a:t>
+              <a:t>2020-11-25</a:t>
             </a:fld>
             <a:endParaRPr lang="ko-KR" altLang="en-US"/>
           </a:p>
@@ -2910,7 +2912,7 @@
           <a:p>
             <a:fld id="{DF63C8CB-9154-4208-8E7E-1C8A89E94898}" type="datetimeFigureOut">
               <a:rPr lang="ko-KR" altLang="en-US" smtClean="0"/>
-              <a:t>2020-11-24</a:t>
+              <a:t>2020-11-25</a:t>
             </a:fld>
             <a:endParaRPr lang="ko-KR" altLang="en-US"/>
           </a:p>
@@ -3329,10 +3331,10 @@
       </p:grpSpPr>
       <p:sp>
         <p:nvSpPr>
-          <p:cNvPr id="10" name="자유형: 도형 9">
-            <a:extLst>
-              <a:ext uri="{FF2B5EF4-FFF2-40B4-BE49-F238E27FC236}">
-                <a16:creationId xmlns:a16="http://schemas.microsoft.com/office/drawing/2014/main" id="{8CB40DCF-5E4B-43D9-A31F-E85EC4597EF7}"/>
+          <p:cNvPr id="3" name="자유형: 도형 2">
+            <a:extLst>
+              <a:ext uri="{FF2B5EF4-FFF2-40B4-BE49-F238E27FC236}">
+                <a16:creationId xmlns:a16="http://schemas.microsoft.com/office/drawing/2014/main" id="{20DE2F4F-E180-4422-BEEF-7B3221F8CF15}"/>
               </a:ext>
             </a:extLst>
           </p:cNvPr>
@@ -3341,60 +3343,60 @@
         </p:nvSpPr>
         <p:spPr>
           <a:xfrm>
-            <a:off x="1186344" y="515923"/>
-            <a:ext cx="9819312" cy="5826154"/>
+            <a:off x="1452693" y="652704"/>
+            <a:ext cx="9286613" cy="5552592"/>
           </a:xfrm>
           <a:custGeom>
             <a:avLst/>
             <a:gdLst>
-              <a:gd name="connsiteX0" fmla="*/ 4909656 w 9819312"/>
-              <a:gd name="connsiteY0" fmla="*/ 0 h 5826154"/>
-              <a:gd name="connsiteX1" fmla="*/ 6910431 w 9819312"/>
-              <a:gd name="connsiteY1" fmla="*/ 2000775 h 5826154"/>
-              <a:gd name="connsiteX2" fmla="*/ 6907027 w 9819312"/>
-              <a:gd name="connsiteY2" fmla="*/ 2045768 h 5826154"/>
-              <a:gd name="connsiteX3" fmla="*/ 7039745 w 9819312"/>
-              <a:gd name="connsiteY3" fmla="*/ 1981835 h 5826154"/>
-              <a:gd name="connsiteX4" fmla="*/ 7818537 w 9819312"/>
-              <a:gd name="connsiteY4" fmla="*/ 1824604 h 5826154"/>
-              <a:gd name="connsiteX5" fmla="*/ 9819312 w 9819312"/>
-              <a:gd name="connsiteY5" fmla="*/ 3825379 h 5826154"/>
-              <a:gd name="connsiteX6" fmla="*/ 8023105 w 9819312"/>
-              <a:gd name="connsiteY6" fmla="*/ 5815824 h 5826154"/>
-              <a:gd name="connsiteX7" fmla="*/ 7901728 w 9819312"/>
-              <a:gd name="connsiteY7" fmla="*/ 5821953 h 5826154"/>
-              <a:gd name="connsiteX8" fmla="*/ 7901728 w 9819312"/>
-              <a:gd name="connsiteY8" fmla="*/ 5826153 h 5826154"/>
-              <a:gd name="connsiteX9" fmla="*/ 7818556 w 9819312"/>
-              <a:gd name="connsiteY9" fmla="*/ 5826153 h 5826154"/>
-              <a:gd name="connsiteX10" fmla="*/ 7818537 w 9819312"/>
-              <a:gd name="connsiteY10" fmla="*/ 5826154 h 5826154"/>
-              <a:gd name="connsiteX11" fmla="*/ 7818518 w 9819312"/>
-              <a:gd name="connsiteY11" fmla="*/ 5826153 h 5826154"/>
-              <a:gd name="connsiteX12" fmla="*/ 2000796 w 9819312"/>
-              <a:gd name="connsiteY12" fmla="*/ 5826153 h 5826154"/>
-              <a:gd name="connsiteX13" fmla="*/ 2000776 w 9819312"/>
-              <a:gd name="connsiteY13" fmla="*/ 5826154 h 5826154"/>
-              <a:gd name="connsiteX14" fmla="*/ 2000756 w 9819312"/>
-              <a:gd name="connsiteY14" fmla="*/ 5826153 h 5826154"/>
-              <a:gd name="connsiteX15" fmla="*/ 1917581 w 9819312"/>
-              <a:gd name="connsiteY15" fmla="*/ 5826153 h 5826154"/>
-              <a:gd name="connsiteX16" fmla="*/ 1917581 w 9819312"/>
-              <a:gd name="connsiteY16" fmla="*/ 5821953 h 5826154"/>
-              <a:gd name="connsiteX17" fmla="*/ 1796208 w 9819312"/>
-              <a:gd name="connsiteY17" fmla="*/ 5815824 h 5826154"/>
-              <a:gd name="connsiteX18" fmla="*/ 0 w 9819312"/>
-              <a:gd name="connsiteY18" fmla="*/ 3825379 h 5826154"/>
-              <a:gd name="connsiteX19" fmla="*/ 2000776 w 9819312"/>
-              <a:gd name="connsiteY19" fmla="*/ 1824604 h 5826154"/>
-              <a:gd name="connsiteX20" fmla="*/ 2868195 w 9819312"/>
-              <a:gd name="connsiteY20" fmla="*/ 2021902 h 5826154"/>
-              <a:gd name="connsiteX21" fmla="*/ 2911091 w 9819312"/>
-              <a:gd name="connsiteY21" fmla="*/ 2044533 h 5826154"/>
-              <a:gd name="connsiteX22" fmla="*/ 2908881 w 9819312"/>
-              <a:gd name="connsiteY22" fmla="*/ 2000775 h 5826154"/>
-              <a:gd name="connsiteX23" fmla="*/ 4909656 w 9819312"/>
-              <a:gd name="connsiteY23" fmla="*/ 0 h 5826154"/>
+              <a:gd name="connsiteX0" fmla="*/ 3572486 w 9286613"/>
+              <a:gd name="connsiteY0" fmla="*/ 0 h 5552592"/>
+              <a:gd name="connsiteX1" fmla="*/ 5265442 w 9286613"/>
+              <a:gd name="connsiteY1" fmla="*/ 1527749 h 5552592"/>
+              <a:gd name="connsiteX2" fmla="*/ 5269692 w 9286613"/>
+              <a:gd name="connsiteY2" fmla="*/ 1611906 h 5552592"/>
+              <a:gd name="connsiteX3" fmla="*/ 5320143 w 9286613"/>
+              <a:gd name="connsiteY3" fmla="*/ 1565496 h 5552592"/>
+              <a:gd name="connsiteX4" fmla="*/ 6209951 w 9286613"/>
+              <a:gd name="connsiteY4" fmla="*/ 1242182 h 5552592"/>
+              <a:gd name="connsiteX5" fmla="*/ 7601594 w 9286613"/>
+              <a:gd name="connsiteY5" fmla="*/ 2513279 h 5552592"/>
+              <a:gd name="connsiteX6" fmla="*/ 7605758 w 9286613"/>
+              <a:gd name="connsiteY6" fmla="*/ 2596744 h 5552592"/>
+              <a:gd name="connsiteX7" fmla="*/ 7701092 w 9286613"/>
+              <a:gd name="connsiteY7" fmla="*/ 2596744 h 5552592"/>
+              <a:gd name="connsiteX8" fmla="*/ 7701092 w 9286613"/>
+              <a:gd name="connsiteY8" fmla="*/ 2601682 h 5552592"/>
+              <a:gd name="connsiteX9" fmla="*/ 7799490 w 9286613"/>
+              <a:gd name="connsiteY9" fmla="*/ 2596744 h 5552592"/>
+              <a:gd name="connsiteX10" fmla="*/ 9286613 w 9286613"/>
+              <a:gd name="connsiteY10" fmla="*/ 4074668 h 5552592"/>
+              <a:gd name="connsiteX11" fmla="*/ 7799490 w 9286613"/>
+              <a:gd name="connsiteY11" fmla="*/ 5552592 h 5552592"/>
+              <a:gd name="connsiteX12" fmla="*/ 7701092 w 9286613"/>
+              <a:gd name="connsiteY12" fmla="*/ 5547654 h 5552592"/>
+              <a:gd name="connsiteX13" fmla="*/ 7701092 w 9286613"/>
+              <a:gd name="connsiteY13" fmla="*/ 5551066 h 5552592"/>
+              <a:gd name="connsiteX14" fmla="*/ 1761690 w 9286613"/>
+              <a:gd name="connsiteY14" fmla="*/ 5551066 h 5552592"/>
+              <a:gd name="connsiteX15" fmla="*/ 1761690 w 9286613"/>
+              <a:gd name="connsiteY15" fmla="*/ 5545559 h 5552592"/>
+              <a:gd name="connsiteX16" fmla="*/ 1652631 w 9286613"/>
+              <a:gd name="connsiteY16" fmla="*/ 5551066 h 5552592"/>
+              <a:gd name="connsiteX17" fmla="*/ 0 w 9286613"/>
+              <a:gd name="connsiteY17" fmla="*/ 3898435 h 5552592"/>
+              <a:gd name="connsiteX18" fmla="*/ 1652631 w 9286613"/>
+              <a:gd name="connsiteY18" fmla="*/ 2245804 h 5552592"/>
+              <a:gd name="connsiteX19" fmla="*/ 1904311 w 9286613"/>
+              <a:gd name="connsiteY19" fmla="*/ 2264846 h 5552592"/>
+              <a:gd name="connsiteX20" fmla="*/ 1972946 w 9286613"/>
+              <a:gd name="connsiteY20" fmla="*/ 2277990 h 5552592"/>
+              <a:gd name="connsiteX21" fmla="*/ 1947251 w 9286613"/>
+              <a:gd name="connsiteY21" fmla="*/ 2207788 h 5552592"/>
+              <a:gd name="connsiteX22" fmla="*/ 1870744 w 9286613"/>
+              <a:gd name="connsiteY22" fmla="*/ 1701742 h 5552592"/>
+              <a:gd name="connsiteX23" fmla="*/ 3572486 w 9286613"/>
+              <a:gd name="connsiteY23" fmla="*/ 0 h 5552592"/>
             </a:gdLst>
             <a:ahLst/>
             <a:cxnLst>
@@ -3473,106 +3475,109 @@
             </a:cxnLst>
             <a:rect l="l" t="t" r="r" b="b"/>
             <a:pathLst>
-              <a:path w="9819312" h="5826154">
+              <a:path w="9286613" h="5552592">
                 <a:moveTo>
-                  <a:pt x="4909656" y="0"/>
+                  <a:pt x="3572486" y="0"/>
                 </a:moveTo>
                 <a:cubicBezTo>
-                  <a:pt x="6014654" y="0"/>
-                  <a:pt x="6910431" y="895777"/>
-                  <a:pt x="6910431" y="2000775"/>
+                  <a:pt x="4453592" y="0"/>
+                  <a:pt x="5178296" y="669635"/>
+                  <a:pt x="5265442" y="1527749"/>
                 </a:cubicBezTo>
                 <a:lnTo>
-                  <a:pt x="6907027" y="2045768"/>
+                  <a:pt x="5269692" y="1611906"/>
                 </a:lnTo>
                 <a:lnTo>
-                  <a:pt x="7039745" y="1981835"/>
+                  <a:pt x="5320143" y="1565496"/>
                 </a:lnTo>
                 <a:cubicBezTo>
-                  <a:pt x="7279114" y="1880590"/>
-                  <a:pt x="7542287" y="1824604"/>
-                  <a:pt x="7818537" y="1824604"/>
+                  <a:pt x="5561949" y="1363515"/>
+                  <a:pt x="5871951" y="1242182"/>
+                  <a:pt x="6209951" y="1242182"/>
                 </a:cubicBezTo>
                 <a:cubicBezTo>
-                  <a:pt x="8923535" y="1824604"/>
-                  <a:pt x="9819312" y="2720381"/>
-                  <a:pt x="9819312" y="3825379"/>
+                  <a:pt x="6934237" y="1242182"/>
+                  <a:pt x="7529958" y="1799323"/>
+                  <a:pt x="7601594" y="2513279"/>
+                </a:cubicBezTo>
+                <a:lnTo>
+                  <a:pt x="7605758" y="2596744"/>
+                </a:lnTo>
+                <a:lnTo>
+                  <a:pt x="7701092" y="2596744"/>
+                </a:lnTo>
+                <a:lnTo>
+                  <a:pt x="7701092" y="2601682"/>
+                </a:lnTo>
+                <a:lnTo>
+                  <a:pt x="7799490" y="2596744"/>
+                </a:lnTo>
+                <a:cubicBezTo>
+                  <a:pt x="8620805" y="2596744"/>
+                  <a:pt x="9286613" y="3258433"/>
+                  <a:pt x="9286613" y="4074668"/>
                 </a:cubicBezTo>
                 <a:cubicBezTo>
-                  <a:pt x="9819312" y="4861315"/>
-                  <a:pt x="9032008" y="5713365"/>
-                  <a:pt x="8023105" y="5815824"/>
+                  <a:pt x="9286613" y="4890903"/>
+                  <a:pt x="8620805" y="5552592"/>
+                  <a:pt x="7799490" y="5552592"/>
                 </a:cubicBezTo>
                 <a:lnTo>
-                  <a:pt x="7901728" y="5821953"/>
+                  <a:pt x="7701092" y="5547654"/>
                 </a:lnTo>
                 <a:lnTo>
-                  <a:pt x="7901728" y="5826153"/>
+                  <a:pt x="7701092" y="5551066"/>
                 </a:lnTo>
                 <a:lnTo>
-                  <a:pt x="7818556" y="5826153"/>
+                  <a:pt x="1761690" y="5551066"/>
                 </a:lnTo>
                 <a:lnTo>
-                  <a:pt x="7818537" y="5826154"/>
+                  <a:pt x="1761690" y="5545559"/>
                 </a:lnTo>
                 <a:lnTo>
-                  <a:pt x="7818518" y="5826153"/>
+                  <a:pt x="1652631" y="5551066"/>
+                </a:lnTo>
+                <a:cubicBezTo>
+                  <a:pt x="739908" y="5551066"/>
+                  <a:pt x="0" y="4811158"/>
+                  <a:pt x="0" y="3898435"/>
+                </a:cubicBezTo>
+                <a:cubicBezTo>
+                  <a:pt x="0" y="2985712"/>
+                  <a:pt x="739908" y="2245804"/>
+                  <a:pt x="1652631" y="2245804"/>
+                </a:cubicBezTo>
+                <a:cubicBezTo>
+                  <a:pt x="1738199" y="2245804"/>
+                  <a:pt x="1822248" y="2252307"/>
+                  <a:pt x="1904311" y="2264846"/>
+                </a:cubicBezTo>
+                <a:lnTo>
+                  <a:pt x="1972946" y="2277990"/>
                 </a:lnTo>
                 <a:lnTo>
-                  <a:pt x="2000796" y="5826153"/>
-                </a:lnTo>
-                <a:lnTo>
-                  <a:pt x="2000776" y="5826154"/>
-                </a:lnTo>
-                <a:lnTo>
-                  <a:pt x="2000756" y="5826153"/>
-                </a:lnTo>
-                <a:lnTo>
-                  <a:pt x="1917581" y="5826153"/>
-                </a:lnTo>
-                <a:lnTo>
-                  <a:pt x="1917581" y="5821953"/>
-                </a:lnTo>
-                <a:lnTo>
-                  <a:pt x="1796208" y="5815824"/>
+                  <a:pt x="1947251" y="2207788"/>
                 </a:lnTo>
                 <a:cubicBezTo>
-                  <a:pt x="787304" y="5713365"/>
-                  <a:pt x="0" y="4861315"/>
-                  <a:pt x="0" y="3825379"/>
+                  <a:pt x="1897530" y="2047928"/>
+                  <a:pt x="1870744" y="1877963"/>
+                  <a:pt x="1870744" y="1701742"/>
                 </a:cubicBezTo>
                 <a:cubicBezTo>
-                  <a:pt x="0" y="2720381"/>
-                  <a:pt x="895777" y="1824604"/>
-                  <a:pt x="2000776" y="1824604"/>
-                </a:cubicBezTo>
-                <a:cubicBezTo>
-                  <a:pt x="2311556" y="1824604"/>
-                  <a:pt x="2605787" y="1895461"/>
-                  <a:pt x="2868195" y="2021902"/>
-                </a:cubicBezTo>
-                <a:lnTo>
-                  <a:pt x="2911091" y="2044533"/>
-                </a:lnTo>
-                <a:lnTo>
-                  <a:pt x="2908881" y="2000775"/>
-                </a:lnTo>
-                <a:cubicBezTo>
-                  <a:pt x="2908881" y="895777"/>
-                  <a:pt x="3804658" y="0"/>
-                  <a:pt x="4909656" y="0"/>
+                  <a:pt x="1870744" y="761896"/>
+                  <a:pt x="2632640" y="0"/>
+                  <a:pt x="3572486" y="0"/>
                 </a:cubicBezTo>
                 <a:close/>
               </a:path>
             </a:pathLst>
           </a:custGeom>
           <a:solidFill>
-            <a:schemeClr val="tx1">
-              <a:lumMod val="75000"/>
-              <a:lumOff val="25000"/>
+            <a:schemeClr val="bg1">
+              <a:lumMod val="85000"/>
             </a:schemeClr>
           </a:solidFill>
-          <a:ln>
+          <a:ln w="238125">
             <a:noFill/>
           </a:ln>
         </p:spPr>
@@ -4202,7 +4207,7 @@
             <a:lstStyle/>
             <a:p>
               <a:pPr algn="ctr"/>
-              <a:endParaRPr lang="ko-KR" altLang="en-US"/>
+              <a:endParaRPr lang="ko-KR" altLang="en-US" dirty="0"/>
             </a:p>
           </p:txBody>
         </p:sp>
@@ -4211,6 +4216,769 @@
     <p:extLst>
       <p:ext uri="{BB962C8B-B14F-4D97-AF65-F5344CB8AC3E}">
         <p14:creationId xmlns:p14="http://schemas.microsoft.com/office/powerpoint/2010/main" val="2682208370"/>
+      </p:ext>
+    </p:extLst>
+  </p:cSld>
+  <p:clrMapOvr>
+    <a:masterClrMapping/>
+  </p:clrMapOvr>
+</p:sld>
+</file>
+
+<file path=ppt/slides/slide3.xml><?xml version="1.0" encoding="utf-8"?>
+<p:sld xmlns:a="http://schemas.openxmlformats.org/drawingml/2006/main" xmlns:r="http://schemas.openxmlformats.org/officeDocument/2006/relationships" xmlns:p="http://schemas.openxmlformats.org/presentationml/2006/main">
+  <p:cSld>
+    <p:spTree>
+      <p:nvGrpSpPr>
+        <p:cNvPr id="1" name=""/>
+        <p:cNvGrpSpPr/>
+        <p:nvPr/>
+      </p:nvGrpSpPr>
+      <p:grpSpPr>
+        <a:xfrm>
+          <a:off x="0" y="0"/>
+          <a:ext cx="0" cy="0"/>
+          <a:chOff x="0" y="0"/>
+          <a:chExt cx="0" cy="0"/>
+        </a:xfrm>
+      </p:grpSpPr>
+      <p:grpSp>
+        <p:nvGrpSpPr>
+          <p:cNvPr id="7" name="그룹 6">
+            <a:extLst>
+              <a:ext uri="{FF2B5EF4-FFF2-40B4-BE49-F238E27FC236}">
+                <a16:creationId xmlns:a16="http://schemas.microsoft.com/office/drawing/2014/main" id="{28F7117E-845A-43E7-B167-30D1C422C655}"/>
+              </a:ext>
+            </a:extLst>
+          </p:cNvPr>
+          <p:cNvGrpSpPr/>
+          <p:nvPr/>
+        </p:nvGrpSpPr>
+        <p:grpSpPr>
+          <a:xfrm>
+            <a:off x="1452693" y="372371"/>
+            <a:ext cx="9286613" cy="6113258"/>
+            <a:chOff x="673216" y="372371"/>
+            <a:chExt cx="9286613" cy="6113258"/>
+          </a:xfrm>
+        </p:grpSpPr>
+        <p:sp>
+          <p:nvSpPr>
+            <p:cNvPr id="6" name="타원 5">
+              <a:extLst>
+                <a:ext uri="{FF2B5EF4-FFF2-40B4-BE49-F238E27FC236}">
+                  <a16:creationId xmlns:a16="http://schemas.microsoft.com/office/drawing/2014/main" id="{22930CD8-46A8-4979-A989-AC521FD84FF1}"/>
+                </a:ext>
+              </a:extLst>
+            </p:cNvPr>
+            <p:cNvSpPr/>
+            <p:nvPr/>
+          </p:nvSpPr>
+          <p:spPr>
+            <a:xfrm>
+              <a:off x="4758655" y="372371"/>
+              <a:ext cx="5201174" cy="5201174"/>
+            </a:xfrm>
+            <a:prstGeom prst="ellipse">
+              <a:avLst/>
+            </a:prstGeom>
+            <a:solidFill>
+              <a:srgbClr val="FFC91D"/>
+            </a:solidFill>
+            <a:ln>
+              <a:noFill/>
+            </a:ln>
+          </p:spPr>
+          <p:style>
+            <a:lnRef idx="2">
+              <a:schemeClr val="accent1">
+                <a:shade val="50000"/>
+              </a:schemeClr>
+            </a:lnRef>
+            <a:fillRef idx="1">
+              <a:schemeClr val="accent1"/>
+            </a:fillRef>
+            <a:effectRef idx="0">
+              <a:schemeClr val="accent1"/>
+            </a:effectRef>
+            <a:fontRef idx="minor">
+              <a:schemeClr val="lt1"/>
+            </a:fontRef>
+          </p:style>
+          <p:txBody>
+            <a:bodyPr rtlCol="0" anchor="ctr"/>
+            <a:lstStyle/>
+            <a:p>
+              <a:pPr algn="ctr"/>
+              <a:endParaRPr lang="ko-KR" altLang="en-US" dirty="0"/>
+            </a:p>
+          </p:txBody>
+        </p:sp>
+        <p:sp>
+          <p:nvSpPr>
+            <p:cNvPr id="5" name="자유형: 도형 4">
+              <a:extLst>
+                <a:ext uri="{FF2B5EF4-FFF2-40B4-BE49-F238E27FC236}">
+                  <a16:creationId xmlns:a16="http://schemas.microsoft.com/office/drawing/2014/main" id="{6E874B67-72B4-4F6D-B76D-A6CC9C747DE6}"/>
+                </a:ext>
+              </a:extLst>
+            </p:cNvPr>
+            <p:cNvSpPr/>
+            <p:nvPr/>
+          </p:nvSpPr>
+          <p:spPr>
+            <a:xfrm>
+              <a:off x="673216" y="933037"/>
+              <a:ext cx="9286613" cy="5552592"/>
+            </a:xfrm>
+            <a:custGeom>
+              <a:avLst/>
+              <a:gdLst>
+                <a:gd name="connsiteX0" fmla="*/ 3572486 w 9286613"/>
+                <a:gd name="connsiteY0" fmla="*/ 0 h 5552592"/>
+                <a:gd name="connsiteX1" fmla="*/ 5265442 w 9286613"/>
+                <a:gd name="connsiteY1" fmla="*/ 1527749 h 5552592"/>
+                <a:gd name="connsiteX2" fmla="*/ 5269692 w 9286613"/>
+                <a:gd name="connsiteY2" fmla="*/ 1611906 h 5552592"/>
+                <a:gd name="connsiteX3" fmla="*/ 5320143 w 9286613"/>
+                <a:gd name="connsiteY3" fmla="*/ 1565496 h 5552592"/>
+                <a:gd name="connsiteX4" fmla="*/ 6209951 w 9286613"/>
+                <a:gd name="connsiteY4" fmla="*/ 1242182 h 5552592"/>
+                <a:gd name="connsiteX5" fmla="*/ 7601594 w 9286613"/>
+                <a:gd name="connsiteY5" fmla="*/ 2513279 h 5552592"/>
+                <a:gd name="connsiteX6" fmla="*/ 7605758 w 9286613"/>
+                <a:gd name="connsiteY6" fmla="*/ 2596744 h 5552592"/>
+                <a:gd name="connsiteX7" fmla="*/ 7701092 w 9286613"/>
+                <a:gd name="connsiteY7" fmla="*/ 2596744 h 5552592"/>
+                <a:gd name="connsiteX8" fmla="*/ 7701092 w 9286613"/>
+                <a:gd name="connsiteY8" fmla="*/ 2601682 h 5552592"/>
+                <a:gd name="connsiteX9" fmla="*/ 7799490 w 9286613"/>
+                <a:gd name="connsiteY9" fmla="*/ 2596744 h 5552592"/>
+                <a:gd name="connsiteX10" fmla="*/ 9286613 w 9286613"/>
+                <a:gd name="connsiteY10" fmla="*/ 4074668 h 5552592"/>
+                <a:gd name="connsiteX11" fmla="*/ 7799490 w 9286613"/>
+                <a:gd name="connsiteY11" fmla="*/ 5552592 h 5552592"/>
+                <a:gd name="connsiteX12" fmla="*/ 7701092 w 9286613"/>
+                <a:gd name="connsiteY12" fmla="*/ 5547654 h 5552592"/>
+                <a:gd name="connsiteX13" fmla="*/ 7701092 w 9286613"/>
+                <a:gd name="connsiteY13" fmla="*/ 5551066 h 5552592"/>
+                <a:gd name="connsiteX14" fmla="*/ 1761690 w 9286613"/>
+                <a:gd name="connsiteY14" fmla="*/ 5551066 h 5552592"/>
+                <a:gd name="connsiteX15" fmla="*/ 1761690 w 9286613"/>
+                <a:gd name="connsiteY15" fmla="*/ 5545559 h 5552592"/>
+                <a:gd name="connsiteX16" fmla="*/ 1652631 w 9286613"/>
+                <a:gd name="connsiteY16" fmla="*/ 5551066 h 5552592"/>
+                <a:gd name="connsiteX17" fmla="*/ 0 w 9286613"/>
+                <a:gd name="connsiteY17" fmla="*/ 3898435 h 5552592"/>
+                <a:gd name="connsiteX18" fmla="*/ 1652631 w 9286613"/>
+                <a:gd name="connsiteY18" fmla="*/ 2245804 h 5552592"/>
+                <a:gd name="connsiteX19" fmla="*/ 1904311 w 9286613"/>
+                <a:gd name="connsiteY19" fmla="*/ 2264846 h 5552592"/>
+                <a:gd name="connsiteX20" fmla="*/ 1972946 w 9286613"/>
+                <a:gd name="connsiteY20" fmla="*/ 2277990 h 5552592"/>
+                <a:gd name="connsiteX21" fmla="*/ 1947251 w 9286613"/>
+                <a:gd name="connsiteY21" fmla="*/ 2207788 h 5552592"/>
+                <a:gd name="connsiteX22" fmla="*/ 1870744 w 9286613"/>
+                <a:gd name="connsiteY22" fmla="*/ 1701742 h 5552592"/>
+                <a:gd name="connsiteX23" fmla="*/ 3572486 w 9286613"/>
+                <a:gd name="connsiteY23" fmla="*/ 0 h 5552592"/>
+              </a:gdLst>
+              <a:ahLst/>
+              <a:cxnLst>
+                <a:cxn ang="0">
+                  <a:pos x="connsiteX0" y="connsiteY0"/>
+                </a:cxn>
+                <a:cxn ang="0">
+                  <a:pos x="connsiteX1" y="connsiteY1"/>
+                </a:cxn>
+                <a:cxn ang="0">
+                  <a:pos x="connsiteX2" y="connsiteY2"/>
+                </a:cxn>
+                <a:cxn ang="0">
+                  <a:pos x="connsiteX3" y="connsiteY3"/>
+                </a:cxn>
+                <a:cxn ang="0">
+                  <a:pos x="connsiteX4" y="connsiteY4"/>
+                </a:cxn>
+                <a:cxn ang="0">
+                  <a:pos x="connsiteX5" y="connsiteY5"/>
+                </a:cxn>
+                <a:cxn ang="0">
+                  <a:pos x="connsiteX6" y="connsiteY6"/>
+                </a:cxn>
+                <a:cxn ang="0">
+                  <a:pos x="connsiteX7" y="connsiteY7"/>
+                </a:cxn>
+                <a:cxn ang="0">
+                  <a:pos x="connsiteX8" y="connsiteY8"/>
+                </a:cxn>
+                <a:cxn ang="0">
+                  <a:pos x="connsiteX9" y="connsiteY9"/>
+                </a:cxn>
+                <a:cxn ang="0">
+                  <a:pos x="connsiteX10" y="connsiteY10"/>
+                </a:cxn>
+                <a:cxn ang="0">
+                  <a:pos x="connsiteX11" y="connsiteY11"/>
+                </a:cxn>
+                <a:cxn ang="0">
+                  <a:pos x="connsiteX12" y="connsiteY12"/>
+                </a:cxn>
+                <a:cxn ang="0">
+                  <a:pos x="connsiteX13" y="connsiteY13"/>
+                </a:cxn>
+                <a:cxn ang="0">
+                  <a:pos x="connsiteX14" y="connsiteY14"/>
+                </a:cxn>
+                <a:cxn ang="0">
+                  <a:pos x="connsiteX15" y="connsiteY15"/>
+                </a:cxn>
+                <a:cxn ang="0">
+                  <a:pos x="connsiteX16" y="connsiteY16"/>
+                </a:cxn>
+                <a:cxn ang="0">
+                  <a:pos x="connsiteX17" y="connsiteY17"/>
+                </a:cxn>
+                <a:cxn ang="0">
+                  <a:pos x="connsiteX18" y="connsiteY18"/>
+                </a:cxn>
+                <a:cxn ang="0">
+                  <a:pos x="connsiteX19" y="connsiteY19"/>
+                </a:cxn>
+                <a:cxn ang="0">
+                  <a:pos x="connsiteX20" y="connsiteY20"/>
+                </a:cxn>
+                <a:cxn ang="0">
+                  <a:pos x="connsiteX21" y="connsiteY21"/>
+                </a:cxn>
+                <a:cxn ang="0">
+                  <a:pos x="connsiteX22" y="connsiteY22"/>
+                </a:cxn>
+                <a:cxn ang="0">
+                  <a:pos x="connsiteX23" y="connsiteY23"/>
+                </a:cxn>
+              </a:cxnLst>
+              <a:rect l="l" t="t" r="r" b="b"/>
+              <a:pathLst>
+                <a:path w="9286613" h="5552592">
+                  <a:moveTo>
+                    <a:pt x="3572486" y="0"/>
+                  </a:moveTo>
+                  <a:cubicBezTo>
+                    <a:pt x="4453592" y="0"/>
+                    <a:pt x="5178296" y="669635"/>
+                    <a:pt x="5265442" y="1527749"/>
+                  </a:cubicBezTo>
+                  <a:lnTo>
+                    <a:pt x="5269692" y="1611906"/>
+                  </a:lnTo>
+                  <a:lnTo>
+                    <a:pt x="5320143" y="1565496"/>
+                  </a:lnTo>
+                  <a:cubicBezTo>
+                    <a:pt x="5561949" y="1363515"/>
+                    <a:pt x="5871951" y="1242182"/>
+                    <a:pt x="6209951" y="1242182"/>
+                  </a:cubicBezTo>
+                  <a:cubicBezTo>
+                    <a:pt x="6934237" y="1242182"/>
+                    <a:pt x="7529958" y="1799323"/>
+                    <a:pt x="7601594" y="2513279"/>
+                  </a:cubicBezTo>
+                  <a:lnTo>
+                    <a:pt x="7605758" y="2596744"/>
+                  </a:lnTo>
+                  <a:lnTo>
+                    <a:pt x="7701092" y="2596744"/>
+                  </a:lnTo>
+                  <a:lnTo>
+                    <a:pt x="7701092" y="2601682"/>
+                  </a:lnTo>
+                  <a:lnTo>
+                    <a:pt x="7799490" y="2596744"/>
+                  </a:lnTo>
+                  <a:cubicBezTo>
+                    <a:pt x="8620805" y="2596744"/>
+                    <a:pt x="9286613" y="3258433"/>
+                    <a:pt x="9286613" y="4074668"/>
+                  </a:cubicBezTo>
+                  <a:cubicBezTo>
+                    <a:pt x="9286613" y="4890903"/>
+                    <a:pt x="8620805" y="5552592"/>
+                    <a:pt x="7799490" y="5552592"/>
+                  </a:cubicBezTo>
+                  <a:lnTo>
+                    <a:pt x="7701092" y="5547654"/>
+                  </a:lnTo>
+                  <a:lnTo>
+                    <a:pt x="7701092" y="5551066"/>
+                  </a:lnTo>
+                  <a:lnTo>
+                    <a:pt x="1761690" y="5551066"/>
+                  </a:lnTo>
+                  <a:lnTo>
+                    <a:pt x="1761690" y="5545559"/>
+                  </a:lnTo>
+                  <a:lnTo>
+                    <a:pt x="1652631" y="5551066"/>
+                  </a:lnTo>
+                  <a:cubicBezTo>
+                    <a:pt x="739908" y="5551066"/>
+                    <a:pt x="0" y="4811158"/>
+                    <a:pt x="0" y="3898435"/>
+                  </a:cubicBezTo>
+                  <a:cubicBezTo>
+                    <a:pt x="0" y="2985712"/>
+                    <a:pt x="739908" y="2245804"/>
+                    <a:pt x="1652631" y="2245804"/>
+                  </a:cubicBezTo>
+                  <a:cubicBezTo>
+                    <a:pt x="1738199" y="2245804"/>
+                    <a:pt x="1822248" y="2252307"/>
+                    <a:pt x="1904311" y="2264846"/>
+                  </a:cubicBezTo>
+                  <a:lnTo>
+                    <a:pt x="1972946" y="2277990"/>
+                  </a:lnTo>
+                  <a:lnTo>
+                    <a:pt x="1947251" y="2207788"/>
+                  </a:lnTo>
+                  <a:cubicBezTo>
+                    <a:pt x="1897530" y="2047928"/>
+                    <a:pt x="1870744" y="1877963"/>
+                    <a:pt x="1870744" y="1701742"/>
+                  </a:cubicBezTo>
+                  <a:cubicBezTo>
+                    <a:pt x="1870744" y="761896"/>
+                    <a:pt x="2632640" y="0"/>
+                    <a:pt x="3572486" y="0"/>
+                  </a:cubicBezTo>
+                  <a:close/>
+                </a:path>
+              </a:pathLst>
+            </a:custGeom>
+            <a:solidFill>
+              <a:schemeClr val="bg1">
+                <a:lumMod val="85000"/>
+              </a:schemeClr>
+            </a:solidFill>
+            <a:ln w="238125">
+              <a:noFill/>
+            </a:ln>
+          </p:spPr>
+          <p:style>
+            <a:lnRef idx="2">
+              <a:schemeClr val="accent1">
+                <a:shade val="50000"/>
+              </a:schemeClr>
+            </a:lnRef>
+            <a:fillRef idx="1">
+              <a:schemeClr val="accent1"/>
+            </a:fillRef>
+            <a:effectRef idx="0">
+              <a:schemeClr val="accent1"/>
+            </a:effectRef>
+            <a:fontRef idx="minor">
+              <a:schemeClr val="lt1"/>
+            </a:fontRef>
+          </p:style>
+          <p:txBody>
+            <a:bodyPr rtlCol="0" anchor="ctr"/>
+            <a:lstStyle/>
+            <a:p>
+              <a:pPr algn="ctr"/>
+              <a:endParaRPr lang="ko-KR" altLang="en-US" dirty="0"/>
+            </a:p>
+          </p:txBody>
+        </p:sp>
+      </p:grpSp>
+    </p:spTree>
+    <p:extLst>
+      <p:ext uri="{BB962C8B-B14F-4D97-AF65-F5344CB8AC3E}">
+        <p14:creationId xmlns:p14="http://schemas.microsoft.com/office/powerpoint/2010/main" val="3275286032"/>
+      </p:ext>
+    </p:extLst>
+  </p:cSld>
+  <p:clrMapOvr>
+    <a:masterClrMapping/>
+  </p:clrMapOvr>
+</p:sld>
+</file>
+
+<file path=ppt/slides/slide4.xml><?xml version="1.0" encoding="utf-8"?>
+<p:sld xmlns:a="http://schemas.openxmlformats.org/drawingml/2006/main" xmlns:r="http://schemas.openxmlformats.org/officeDocument/2006/relationships" xmlns:p="http://schemas.openxmlformats.org/presentationml/2006/main">
+  <p:cSld>
+    <p:spTree>
+      <p:nvGrpSpPr>
+        <p:cNvPr id="1" name=""/>
+        <p:cNvGrpSpPr/>
+        <p:nvPr/>
+      </p:nvGrpSpPr>
+      <p:grpSpPr>
+        <a:xfrm>
+          <a:off x="0" y="0"/>
+          <a:ext cx="0" cy="0"/>
+          <a:chOff x="0" y="0"/>
+          <a:chExt cx="0" cy="0"/>
+        </a:xfrm>
+      </p:grpSpPr>
+      <p:grpSp>
+        <p:nvGrpSpPr>
+          <p:cNvPr id="8" name="그룹 7">
+            <a:extLst>
+              <a:ext uri="{FF2B5EF4-FFF2-40B4-BE49-F238E27FC236}">
+                <a16:creationId xmlns:a16="http://schemas.microsoft.com/office/drawing/2014/main" id="{E577D84A-7ECA-46E2-AA0C-920996849508}"/>
+              </a:ext>
+            </a:extLst>
+          </p:cNvPr>
+          <p:cNvGrpSpPr/>
+          <p:nvPr/>
+        </p:nvGrpSpPr>
+        <p:grpSpPr>
+          <a:xfrm>
+            <a:off x="1452693" y="372371"/>
+            <a:ext cx="9286613" cy="6113258"/>
+            <a:chOff x="673216" y="372371"/>
+            <a:chExt cx="9286613" cy="6113258"/>
+          </a:xfrm>
+        </p:grpSpPr>
+        <p:sp>
+          <p:nvSpPr>
+            <p:cNvPr id="9" name="타원 8">
+              <a:extLst>
+                <a:ext uri="{FF2B5EF4-FFF2-40B4-BE49-F238E27FC236}">
+                  <a16:creationId xmlns:a16="http://schemas.microsoft.com/office/drawing/2014/main" id="{BBCBA798-2800-4C39-9349-AEECF1EE6686}"/>
+                </a:ext>
+              </a:extLst>
+            </p:cNvPr>
+            <p:cNvSpPr/>
+            <p:nvPr/>
+          </p:nvSpPr>
+          <p:spPr>
+            <a:xfrm>
+              <a:off x="4758655" y="372371"/>
+              <a:ext cx="5201174" cy="5201174"/>
+            </a:xfrm>
+            <a:prstGeom prst="ellipse">
+              <a:avLst/>
+            </a:prstGeom>
+            <a:solidFill>
+              <a:schemeClr val="tx1">
+                <a:lumMod val="75000"/>
+                <a:lumOff val="25000"/>
+              </a:schemeClr>
+            </a:solidFill>
+            <a:ln>
+              <a:noFill/>
+            </a:ln>
+          </p:spPr>
+          <p:style>
+            <a:lnRef idx="2">
+              <a:schemeClr val="accent1">
+                <a:shade val="50000"/>
+              </a:schemeClr>
+            </a:lnRef>
+            <a:fillRef idx="1">
+              <a:schemeClr val="accent1"/>
+            </a:fillRef>
+            <a:effectRef idx="0">
+              <a:schemeClr val="accent1"/>
+            </a:effectRef>
+            <a:fontRef idx="minor">
+              <a:schemeClr val="lt1"/>
+            </a:fontRef>
+          </p:style>
+          <p:txBody>
+            <a:bodyPr rtlCol="0" anchor="ctr"/>
+            <a:lstStyle/>
+            <a:p>
+              <a:pPr algn="ctr"/>
+              <a:endParaRPr lang="ko-KR" altLang="en-US" dirty="0"/>
+            </a:p>
+          </p:txBody>
+        </p:sp>
+        <p:sp>
+          <p:nvSpPr>
+            <p:cNvPr id="10" name="자유형: 도형 9">
+              <a:extLst>
+                <a:ext uri="{FF2B5EF4-FFF2-40B4-BE49-F238E27FC236}">
+                  <a16:creationId xmlns:a16="http://schemas.microsoft.com/office/drawing/2014/main" id="{C4C1A05B-9BF9-4D60-8120-595780804117}"/>
+                </a:ext>
+              </a:extLst>
+            </p:cNvPr>
+            <p:cNvSpPr/>
+            <p:nvPr/>
+          </p:nvSpPr>
+          <p:spPr>
+            <a:xfrm>
+              <a:off x="673216" y="933037"/>
+              <a:ext cx="9286613" cy="5552592"/>
+            </a:xfrm>
+            <a:custGeom>
+              <a:avLst/>
+              <a:gdLst>
+                <a:gd name="connsiteX0" fmla="*/ 3572486 w 9286613"/>
+                <a:gd name="connsiteY0" fmla="*/ 0 h 5552592"/>
+                <a:gd name="connsiteX1" fmla="*/ 5265442 w 9286613"/>
+                <a:gd name="connsiteY1" fmla="*/ 1527749 h 5552592"/>
+                <a:gd name="connsiteX2" fmla="*/ 5269692 w 9286613"/>
+                <a:gd name="connsiteY2" fmla="*/ 1611906 h 5552592"/>
+                <a:gd name="connsiteX3" fmla="*/ 5320143 w 9286613"/>
+                <a:gd name="connsiteY3" fmla="*/ 1565496 h 5552592"/>
+                <a:gd name="connsiteX4" fmla="*/ 6209951 w 9286613"/>
+                <a:gd name="connsiteY4" fmla="*/ 1242182 h 5552592"/>
+                <a:gd name="connsiteX5" fmla="*/ 7601594 w 9286613"/>
+                <a:gd name="connsiteY5" fmla="*/ 2513279 h 5552592"/>
+                <a:gd name="connsiteX6" fmla="*/ 7605758 w 9286613"/>
+                <a:gd name="connsiteY6" fmla="*/ 2596744 h 5552592"/>
+                <a:gd name="connsiteX7" fmla="*/ 7701092 w 9286613"/>
+                <a:gd name="connsiteY7" fmla="*/ 2596744 h 5552592"/>
+                <a:gd name="connsiteX8" fmla="*/ 7701092 w 9286613"/>
+                <a:gd name="connsiteY8" fmla="*/ 2601682 h 5552592"/>
+                <a:gd name="connsiteX9" fmla="*/ 7799490 w 9286613"/>
+                <a:gd name="connsiteY9" fmla="*/ 2596744 h 5552592"/>
+                <a:gd name="connsiteX10" fmla="*/ 9286613 w 9286613"/>
+                <a:gd name="connsiteY10" fmla="*/ 4074668 h 5552592"/>
+                <a:gd name="connsiteX11" fmla="*/ 7799490 w 9286613"/>
+                <a:gd name="connsiteY11" fmla="*/ 5552592 h 5552592"/>
+                <a:gd name="connsiteX12" fmla="*/ 7701092 w 9286613"/>
+                <a:gd name="connsiteY12" fmla="*/ 5547654 h 5552592"/>
+                <a:gd name="connsiteX13" fmla="*/ 7701092 w 9286613"/>
+                <a:gd name="connsiteY13" fmla="*/ 5551066 h 5552592"/>
+                <a:gd name="connsiteX14" fmla="*/ 1761690 w 9286613"/>
+                <a:gd name="connsiteY14" fmla="*/ 5551066 h 5552592"/>
+                <a:gd name="connsiteX15" fmla="*/ 1761690 w 9286613"/>
+                <a:gd name="connsiteY15" fmla="*/ 5545559 h 5552592"/>
+                <a:gd name="connsiteX16" fmla="*/ 1652631 w 9286613"/>
+                <a:gd name="connsiteY16" fmla="*/ 5551066 h 5552592"/>
+                <a:gd name="connsiteX17" fmla="*/ 0 w 9286613"/>
+                <a:gd name="connsiteY17" fmla="*/ 3898435 h 5552592"/>
+                <a:gd name="connsiteX18" fmla="*/ 1652631 w 9286613"/>
+                <a:gd name="connsiteY18" fmla="*/ 2245804 h 5552592"/>
+                <a:gd name="connsiteX19" fmla="*/ 1904311 w 9286613"/>
+                <a:gd name="connsiteY19" fmla="*/ 2264846 h 5552592"/>
+                <a:gd name="connsiteX20" fmla="*/ 1972946 w 9286613"/>
+                <a:gd name="connsiteY20" fmla="*/ 2277990 h 5552592"/>
+                <a:gd name="connsiteX21" fmla="*/ 1947251 w 9286613"/>
+                <a:gd name="connsiteY21" fmla="*/ 2207788 h 5552592"/>
+                <a:gd name="connsiteX22" fmla="*/ 1870744 w 9286613"/>
+                <a:gd name="connsiteY22" fmla="*/ 1701742 h 5552592"/>
+                <a:gd name="connsiteX23" fmla="*/ 3572486 w 9286613"/>
+                <a:gd name="connsiteY23" fmla="*/ 0 h 5552592"/>
+              </a:gdLst>
+              <a:ahLst/>
+              <a:cxnLst>
+                <a:cxn ang="0">
+                  <a:pos x="connsiteX0" y="connsiteY0"/>
+                </a:cxn>
+                <a:cxn ang="0">
+                  <a:pos x="connsiteX1" y="connsiteY1"/>
+                </a:cxn>
+                <a:cxn ang="0">
+                  <a:pos x="connsiteX2" y="connsiteY2"/>
+                </a:cxn>
+                <a:cxn ang="0">
+                  <a:pos x="connsiteX3" y="connsiteY3"/>
+                </a:cxn>
+                <a:cxn ang="0">
+                  <a:pos x="connsiteX4" y="connsiteY4"/>
+                </a:cxn>
+                <a:cxn ang="0">
+                  <a:pos x="connsiteX5" y="connsiteY5"/>
+                </a:cxn>
+                <a:cxn ang="0">
+                  <a:pos x="connsiteX6" y="connsiteY6"/>
+                </a:cxn>
+                <a:cxn ang="0">
+                  <a:pos x="connsiteX7" y="connsiteY7"/>
+                </a:cxn>
+                <a:cxn ang="0">
+                  <a:pos x="connsiteX8" y="connsiteY8"/>
+                </a:cxn>
+                <a:cxn ang="0">
+                  <a:pos x="connsiteX9" y="connsiteY9"/>
+                </a:cxn>
+                <a:cxn ang="0">
+                  <a:pos x="connsiteX10" y="connsiteY10"/>
+                </a:cxn>
+                <a:cxn ang="0">
+                  <a:pos x="connsiteX11" y="connsiteY11"/>
+                </a:cxn>
+                <a:cxn ang="0">
+                  <a:pos x="connsiteX12" y="connsiteY12"/>
+                </a:cxn>
+                <a:cxn ang="0">
+                  <a:pos x="connsiteX13" y="connsiteY13"/>
+                </a:cxn>
+                <a:cxn ang="0">
+                  <a:pos x="connsiteX14" y="connsiteY14"/>
+                </a:cxn>
+                <a:cxn ang="0">
+                  <a:pos x="connsiteX15" y="connsiteY15"/>
+                </a:cxn>
+                <a:cxn ang="0">
+                  <a:pos x="connsiteX16" y="connsiteY16"/>
+                </a:cxn>
+                <a:cxn ang="0">
+                  <a:pos x="connsiteX17" y="connsiteY17"/>
+                </a:cxn>
+                <a:cxn ang="0">
+                  <a:pos x="connsiteX18" y="connsiteY18"/>
+                </a:cxn>
+                <a:cxn ang="0">
+                  <a:pos x="connsiteX19" y="connsiteY19"/>
+                </a:cxn>
+                <a:cxn ang="0">
+                  <a:pos x="connsiteX20" y="connsiteY20"/>
+                </a:cxn>
+                <a:cxn ang="0">
+                  <a:pos x="connsiteX21" y="connsiteY21"/>
+                </a:cxn>
+                <a:cxn ang="0">
+                  <a:pos x="connsiteX22" y="connsiteY22"/>
+                </a:cxn>
+                <a:cxn ang="0">
+                  <a:pos x="connsiteX23" y="connsiteY23"/>
+                </a:cxn>
+              </a:cxnLst>
+              <a:rect l="l" t="t" r="r" b="b"/>
+              <a:pathLst>
+                <a:path w="9286613" h="5552592">
+                  <a:moveTo>
+                    <a:pt x="3572486" y="0"/>
+                  </a:moveTo>
+                  <a:cubicBezTo>
+                    <a:pt x="4453592" y="0"/>
+                    <a:pt x="5178296" y="669635"/>
+                    <a:pt x="5265442" y="1527749"/>
+                  </a:cubicBezTo>
+                  <a:lnTo>
+                    <a:pt x="5269692" y="1611906"/>
+                  </a:lnTo>
+                  <a:lnTo>
+                    <a:pt x="5320143" y="1565496"/>
+                  </a:lnTo>
+                  <a:cubicBezTo>
+                    <a:pt x="5561949" y="1363515"/>
+                    <a:pt x="5871951" y="1242182"/>
+                    <a:pt x="6209951" y="1242182"/>
+                  </a:cubicBezTo>
+                  <a:cubicBezTo>
+                    <a:pt x="6934237" y="1242182"/>
+                    <a:pt x="7529958" y="1799323"/>
+                    <a:pt x="7601594" y="2513279"/>
+                  </a:cubicBezTo>
+                  <a:lnTo>
+                    <a:pt x="7605758" y="2596744"/>
+                  </a:lnTo>
+                  <a:lnTo>
+                    <a:pt x="7701092" y="2596744"/>
+                  </a:lnTo>
+                  <a:lnTo>
+                    <a:pt x="7701092" y="2601682"/>
+                  </a:lnTo>
+                  <a:lnTo>
+                    <a:pt x="7799490" y="2596744"/>
+                  </a:lnTo>
+                  <a:cubicBezTo>
+                    <a:pt x="8620805" y="2596744"/>
+                    <a:pt x="9286613" y="3258433"/>
+                    <a:pt x="9286613" y="4074668"/>
+                  </a:cubicBezTo>
+                  <a:cubicBezTo>
+                    <a:pt x="9286613" y="4890903"/>
+                    <a:pt x="8620805" y="5552592"/>
+                    <a:pt x="7799490" y="5552592"/>
+                  </a:cubicBezTo>
+                  <a:lnTo>
+                    <a:pt x="7701092" y="5547654"/>
+                  </a:lnTo>
+                  <a:lnTo>
+                    <a:pt x="7701092" y="5551066"/>
+                  </a:lnTo>
+                  <a:lnTo>
+                    <a:pt x="1761690" y="5551066"/>
+                  </a:lnTo>
+                  <a:lnTo>
+                    <a:pt x="1761690" y="5545559"/>
+                  </a:lnTo>
+                  <a:lnTo>
+                    <a:pt x="1652631" y="5551066"/>
+                  </a:lnTo>
+                  <a:cubicBezTo>
+                    <a:pt x="739908" y="5551066"/>
+                    <a:pt x="0" y="4811158"/>
+                    <a:pt x="0" y="3898435"/>
+                  </a:cubicBezTo>
+                  <a:cubicBezTo>
+                    <a:pt x="0" y="2985712"/>
+                    <a:pt x="739908" y="2245804"/>
+                    <a:pt x="1652631" y="2245804"/>
+                  </a:cubicBezTo>
+                  <a:cubicBezTo>
+                    <a:pt x="1738199" y="2245804"/>
+                    <a:pt x="1822248" y="2252307"/>
+                    <a:pt x="1904311" y="2264846"/>
+                  </a:cubicBezTo>
+                  <a:lnTo>
+                    <a:pt x="1972946" y="2277990"/>
+                  </a:lnTo>
+                  <a:lnTo>
+                    <a:pt x="1947251" y="2207788"/>
+                  </a:lnTo>
+                  <a:cubicBezTo>
+                    <a:pt x="1897530" y="2047928"/>
+                    <a:pt x="1870744" y="1877963"/>
+                    <a:pt x="1870744" y="1701742"/>
+                  </a:cubicBezTo>
+                  <a:cubicBezTo>
+                    <a:pt x="1870744" y="761896"/>
+                    <a:pt x="2632640" y="0"/>
+                    <a:pt x="3572486" y="0"/>
+                  </a:cubicBezTo>
+                  <a:close/>
+                </a:path>
+              </a:pathLst>
+            </a:custGeom>
+            <a:solidFill>
+              <a:schemeClr val="bg1">
+                <a:lumMod val="85000"/>
+              </a:schemeClr>
+            </a:solidFill>
+            <a:ln w="238125">
+              <a:noFill/>
+            </a:ln>
+          </p:spPr>
+          <p:style>
+            <a:lnRef idx="2">
+              <a:schemeClr val="accent1">
+                <a:shade val="50000"/>
+              </a:schemeClr>
+            </a:lnRef>
+            <a:fillRef idx="1">
+              <a:schemeClr val="accent1"/>
+            </a:fillRef>
+            <a:effectRef idx="0">
+              <a:schemeClr val="accent1"/>
+            </a:effectRef>
+            <a:fontRef idx="minor">
+              <a:schemeClr val="lt1"/>
+            </a:fontRef>
+          </p:style>
+          <p:txBody>
+            <a:bodyPr rtlCol="0" anchor="ctr"/>
+            <a:lstStyle/>
+            <a:p>
+              <a:pPr algn="ctr"/>
+              <a:endParaRPr lang="ko-KR" altLang="en-US" dirty="0"/>
+            </a:p>
+          </p:txBody>
+        </p:sp>
+      </p:grpSp>
+    </p:spTree>
+    <p:extLst>
+      <p:ext uri="{BB962C8B-B14F-4D97-AF65-F5344CB8AC3E}">
+        <p14:creationId xmlns:p14="http://schemas.microsoft.com/office/powerpoint/2010/main" val="858236738"/>
       </p:ext>
     </p:extLst>
   </p:cSld>

--- a/Brand-New weather icons/Frame.pptx
+++ b/Brand-New weather icons/Frame.pptx
@@ -9,6 +9,8 @@
     <p:sldId id="257" r:id="rId3"/>
     <p:sldId id="258" r:id="rId4"/>
     <p:sldId id="259" r:id="rId5"/>
+    <p:sldId id="261" r:id="rId6"/>
+    <p:sldId id="260" r:id="rId7"/>
   </p:sldIdLst>
   <p:sldSz cx="12192000" cy="6858000"/>
   <p:notesSz cx="6858000" cy="9144000"/>
@@ -262,7 +264,7 @@
           <a:p>
             <a:fld id="{DF63C8CB-9154-4208-8E7E-1C8A89E94898}" type="datetimeFigureOut">
               <a:rPr lang="ko-KR" altLang="en-US" smtClean="0"/>
-              <a:t>2020-11-25</a:t>
+              <a:t>2020-11-26</a:t>
             </a:fld>
             <a:endParaRPr lang="ko-KR" altLang="en-US"/>
           </a:p>
@@ -460,7 +462,7 @@
           <a:p>
             <a:fld id="{DF63C8CB-9154-4208-8E7E-1C8A89E94898}" type="datetimeFigureOut">
               <a:rPr lang="ko-KR" altLang="en-US" smtClean="0"/>
-              <a:t>2020-11-25</a:t>
+              <a:t>2020-11-26</a:t>
             </a:fld>
             <a:endParaRPr lang="ko-KR" altLang="en-US"/>
           </a:p>
@@ -668,7 +670,7 @@
           <a:p>
             <a:fld id="{DF63C8CB-9154-4208-8E7E-1C8A89E94898}" type="datetimeFigureOut">
               <a:rPr lang="ko-KR" altLang="en-US" smtClean="0"/>
-              <a:t>2020-11-25</a:t>
+              <a:t>2020-11-26</a:t>
             </a:fld>
             <a:endParaRPr lang="ko-KR" altLang="en-US"/>
           </a:p>
@@ -866,7 +868,7 @@
           <a:p>
             <a:fld id="{DF63C8CB-9154-4208-8E7E-1C8A89E94898}" type="datetimeFigureOut">
               <a:rPr lang="ko-KR" altLang="en-US" smtClean="0"/>
-              <a:t>2020-11-25</a:t>
+              <a:t>2020-11-26</a:t>
             </a:fld>
             <a:endParaRPr lang="ko-KR" altLang="en-US"/>
           </a:p>
@@ -1141,7 +1143,7 @@
           <a:p>
             <a:fld id="{DF63C8CB-9154-4208-8E7E-1C8A89E94898}" type="datetimeFigureOut">
               <a:rPr lang="ko-KR" altLang="en-US" smtClean="0"/>
-              <a:t>2020-11-25</a:t>
+              <a:t>2020-11-26</a:t>
             </a:fld>
             <a:endParaRPr lang="ko-KR" altLang="en-US"/>
           </a:p>
@@ -1406,7 +1408,7 @@
           <a:p>
             <a:fld id="{DF63C8CB-9154-4208-8E7E-1C8A89E94898}" type="datetimeFigureOut">
               <a:rPr lang="ko-KR" altLang="en-US" smtClean="0"/>
-              <a:t>2020-11-25</a:t>
+              <a:t>2020-11-26</a:t>
             </a:fld>
             <a:endParaRPr lang="ko-KR" altLang="en-US"/>
           </a:p>
@@ -1818,7 +1820,7 @@
           <a:p>
             <a:fld id="{DF63C8CB-9154-4208-8E7E-1C8A89E94898}" type="datetimeFigureOut">
               <a:rPr lang="ko-KR" altLang="en-US" smtClean="0"/>
-              <a:t>2020-11-25</a:t>
+              <a:t>2020-11-26</a:t>
             </a:fld>
             <a:endParaRPr lang="ko-KR" altLang="en-US"/>
           </a:p>
@@ -1959,7 +1961,7 @@
           <a:p>
             <a:fld id="{DF63C8CB-9154-4208-8E7E-1C8A89E94898}" type="datetimeFigureOut">
               <a:rPr lang="ko-KR" altLang="en-US" smtClean="0"/>
-              <a:t>2020-11-25</a:t>
+              <a:t>2020-11-26</a:t>
             </a:fld>
             <a:endParaRPr lang="ko-KR" altLang="en-US"/>
           </a:p>
@@ -2072,7 +2074,7 @@
           <a:p>
             <a:fld id="{DF63C8CB-9154-4208-8E7E-1C8A89E94898}" type="datetimeFigureOut">
               <a:rPr lang="ko-KR" altLang="en-US" smtClean="0"/>
-              <a:t>2020-11-25</a:t>
+              <a:t>2020-11-26</a:t>
             </a:fld>
             <a:endParaRPr lang="ko-KR" altLang="en-US"/>
           </a:p>
@@ -2383,7 +2385,7 @@
           <a:p>
             <a:fld id="{DF63C8CB-9154-4208-8E7E-1C8A89E94898}" type="datetimeFigureOut">
               <a:rPr lang="ko-KR" altLang="en-US" smtClean="0"/>
-              <a:t>2020-11-25</a:t>
+              <a:t>2020-11-26</a:t>
             </a:fld>
             <a:endParaRPr lang="ko-KR" altLang="en-US"/>
           </a:p>
@@ -2671,7 +2673,7 @@
           <a:p>
             <a:fld id="{DF63C8CB-9154-4208-8E7E-1C8A89E94898}" type="datetimeFigureOut">
               <a:rPr lang="ko-KR" altLang="en-US" smtClean="0"/>
-              <a:t>2020-11-25</a:t>
+              <a:t>2020-11-26</a:t>
             </a:fld>
             <a:endParaRPr lang="ko-KR" altLang="en-US"/>
           </a:p>
@@ -2912,7 +2914,7 @@
           <a:p>
             <a:fld id="{DF63C8CB-9154-4208-8E7E-1C8A89E94898}" type="datetimeFigureOut">
               <a:rPr lang="ko-KR" altLang="en-US" smtClean="0"/>
-              <a:t>2020-11-25</a:t>
+              <a:t>2020-11-26</a:t>
             </a:fld>
             <a:endParaRPr lang="ko-KR" altLang="en-US"/>
           </a:p>
@@ -4988,6 +4990,118 @@
 </p:sld>
 </file>
 
+<file path=ppt/slides/slide5.xml><?xml version="1.0" encoding="utf-8"?>
+<p:sld xmlns:a="http://schemas.openxmlformats.org/drawingml/2006/main" xmlns:r="http://schemas.openxmlformats.org/officeDocument/2006/relationships" xmlns:p="http://schemas.openxmlformats.org/presentationml/2006/main">
+  <p:cSld>
+    <p:spTree>
+      <p:nvGrpSpPr>
+        <p:cNvPr id="1" name=""/>
+        <p:cNvGrpSpPr/>
+        <p:nvPr/>
+      </p:nvGrpSpPr>
+      <p:grpSpPr>
+        <a:xfrm>
+          <a:off x="0" y="0"/>
+          <a:ext cx="0" cy="0"/>
+          <a:chOff x="0" y="0"/>
+          <a:chExt cx="0" cy="0"/>
+        </a:xfrm>
+      </p:grpSpPr>
+      <p:sp>
+        <p:nvSpPr>
+          <p:cNvPr id="4" name="타원 3">
+            <a:extLst>
+              <a:ext uri="{FF2B5EF4-FFF2-40B4-BE49-F238E27FC236}">
+                <a16:creationId xmlns:a16="http://schemas.microsoft.com/office/drawing/2014/main" id="{BCDC1270-BD1D-4496-94E2-A8BABA64A90B}"/>
+              </a:ext>
+            </a:extLst>
+          </p:cNvPr>
+          <p:cNvSpPr/>
+          <p:nvPr/>
+        </p:nvSpPr>
+        <p:spPr>
+          <a:xfrm>
+            <a:off x="3495413" y="828413"/>
+            <a:ext cx="5201174" cy="5201174"/>
+          </a:xfrm>
+          <a:prstGeom prst="ellipse">
+            <a:avLst/>
+          </a:prstGeom>
+          <a:solidFill>
+            <a:srgbClr val="FFC91D"/>
+          </a:solidFill>
+          <a:ln>
+            <a:noFill/>
+          </a:ln>
+        </p:spPr>
+        <p:style>
+          <a:lnRef idx="2">
+            <a:schemeClr val="accent1">
+              <a:shade val="50000"/>
+            </a:schemeClr>
+          </a:lnRef>
+          <a:fillRef idx="1">
+            <a:schemeClr val="accent1"/>
+          </a:fillRef>
+          <a:effectRef idx="0">
+            <a:schemeClr val="accent1"/>
+          </a:effectRef>
+          <a:fontRef idx="minor">
+            <a:schemeClr val="lt1"/>
+          </a:fontRef>
+        </p:style>
+        <p:txBody>
+          <a:bodyPr rtlCol="0" anchor="ctr"/>
+          <a:lstStyle/>
+          <a:p>
+            <a:pPr algn="ctr"/>
+            <a:endParaRPr lang="ko-KR" altLang="en-US" dirty="0"/>
+          </a:p>
+        </p:txBody>
+      </p:sp>
+    </p:spTree>
+    <p:extLst>
+      <p:ext uri="{BB962C8B-B14F-4D97-AF65-F5344CB8AC3E}">
+        <p14:creationId xmlns:p14="http://schemas.microsoft.com/office/powerpoint/2010/main" val="679923399"/>
+      </p:ext>
+    </p:extLst>
+  </p:cSld>
+  <p:clrMapOvr>
+    <a:masterClrMapping/>
+  </p:clrMapOvr>
+</p:sld>
+</file>
+
+<file path=ppt/slides/slide6.xml><?xml version="1.0" encoding="utf-8"?>
+<p:sld xmlns:a="http://schemas.openxmlformats.org/drawingml/2006/main" xmlns:r="http://schemas.openxmlformats.org/officeDocument/2006/relationships" xmlns:p="http://schemas.openxmlformats.org/presentationml/2006/main">
+  <p:cSld>
+    <p:spTree>
+      <p:nvGrpSpPr>
+        <p:cNvPr id="1" name=""/>
+        <p:cNvGrpSpPr/>
+        <p:nvPr/>
+      </p:nvGrpSpPr>
+      <p:grpSpPr>
+        <a:xfrm>
+          <a:off x="0" y="0"/>
+          <a:ext cx="0" cy="0"/>
+          <a:chOff x="0" y="0"/>
+          <a:chExt cx="0" cy="0"/>
+        </a:xfrm>
+      </p:grpSpPr>
+    </p:spTree>
+    <p:extLst>
+      <p:ext uri="{BB962C8B-B14F-4D97-AF65-F5344CB8AC3E}">
+        <p14:creationId xmlns:p14="http://schemas.microsoft.com/office/powerpoint/2010/main" val="4137740844"/>
+      </p:ext>
+    </p:extLst>
+  </p:cSld>
+  <p:clrMapOvr>
+    <a:masterClrMapping/>
+  </p:clrMapOvr>
+</p:sld>
+</file>
+
 <file path=ppt/theme/theme1.xml><?xml version="1.0" encoding="utf-8"?>
 <a:theme xmlns:a="http://schemas.openxmlformats.org/drawingml/2006/main" name="Office 테마">
   <a:themeElements>

--- a/Brand-New weather icons/Frame.pptx
+++ b/Brand-New weather icons/Frame.pptx
@@ -8,9 +8,7 @@
     <p:sldId id="256" r:id="rId2"/>
     <p:sldId id="257" r:id="rId3"/>
     <p:sldId id="258" r:id="rId4"/>
-    <p:sldId id="259" r:id="rId5"/>
-    <p:sldId id="261" r:id="rId6"/>
-    <p:sldId id="260" r:id="rId7"/>
+    <p:sldId id="261" r:id="rId5"/>
   </p:sldIdLst>
   <p:sldSz cx="12192000" cy="6858000"/>
   <p:notesSz cx="6858000" cy="9144000"/>
@@ -264,7 +262,7 @@
           <a:p>
             <a:fld id="{DF63C8CB-9154-4208-8E7E-1C8A89E94898}" type="datetimeFigureOut">
               <a:rPr lang="ko-KR" altLang="en-US" smtClean="0"/>
-              <a:t>2020-11-26</a:t>
+              <a:t>2020-11-27</a:t>
             </a:fld>
             <a:endParaRPr lang="ko-KR" altLang="en-US"/>
           </a:p>
@@ -462,7 +460,7 @@
           <a:p>
             <a:fld id="{DF63C8CB-9154-4208-8E7E-1C8A89E94898}" type="datetimeFigureOut">
               <a:rPr lang="ko-KR" altLang="en-US" smtClean="0"/>
-              <a:t>2020-11-26</a:t>
+              <a:t>2020-11-27</a:t>
             </a:fld>
             <a:endParaRPr lang="ko-KR" altLang="en-US"/>
           </a:p>
@@ -670,7 +668,7 @@
           <a:p>
             <a:fld id="{DF63C8CB-9154-4208-8E7E-1C8A89E94898}" type="datetimeFigureOut">
               <a:rPr lang="ko-KR" altLang="en-US" smtClean="0"/>
-              <a:t>2020-11-26</a:t>
+              <a:t>2020-11-27</a:t>
             </a:fld>
             <a:endParaRPr lang="ko-KR" altLang="en-US"/>
           </a:p>
@@ -868,7 +866,7 @@
           <a:p>
             <a:fld id="{DF63C8CB-9154-4208-8E7E-1C8A89E94898}" type="datetimeFigureOut">
               <a:rPr lang="ko-KR" altLang="en-US" smtClean="0"/>
-              <a:t>2020-11-26</a:t>
+              <a:t>2020-11-27</a:t>
             </a:fld>
             <a:endParaRPr lang="ko-KR" altLang="en-US"/>
           </a:p>
@@ -1143,7 +1141,7 @@
           <a:p>
             <a:fld id="{DF63C8CB-9154-4208-8E7E-1C8A89E94898}" type="datetimeFigureOut">
               <a:rPr lang="ko-KR" altLang="en-US" smtClean="0"/>
-              <a:t>2020-11-26</a:t>
+              <a:t>2020-11-27</a:t>
             </a:fld>
             <a:endParaRPr lang="ko-KR" altLang="en-US"/>
           </a:p>
@@ -1408,7 +1406,7 @@
           <a:p>
             <a:fld id="{DF63C8CB-9154-4208-8E7E-1C8A89E94898}" type="datetimeFigureOut">
               <a:rPr lang="ko-KR" altLang="en-US" smtClean="0"/>
-              <a:t>2020-11-26</a:t>
+              <a:t>2020-11-27</a:t>
             </a:fld>
             <a:endParaRPr lang="ko-KR" altLang="en-US"/>
           </a:p>
@@ -1820,7 +1818,7 @@
           <a:p>
             <a:fld id="{DF63C8CB-9154-4208-8E7E-1C8A89E94898}" type="datetimeFigureOut">
               <a:rPr lang="ko-KR" altLang="en-US" smtClean="0"/>
-              <a:t>2020-11-26</a:t>
+              <a:t>2020-11-27</a:t>
             </a:fld>
             <a:endParaRPr lang="ko-KR" altLang="en-US"/>
           </a:p>
@@ -1961,7 +1959,7 @@
           <a:p>
             <a:fld id="{DF63C8CB-9154-4208-8E7E-1C8A89E94898}" type="datetimeFigureOut">
               <a:rPr lang="ko-KR" altLang="en-US" smtClean="0"/>
-              <a:t>2020-11-26</a:t>
+              <a:t>2020-11-27</a:t>
             </a:fld>
             <a:endParaRPr lang="ko-KR" altLang="en-US"/>
           </a:p>
@@ -2074,7 +2072,7 @@
           <a:p>
             <a:fld id="{DF63C8CB-9154-4208-8E7E-1C8A89E94898}" type="datetimeFigureOut">
               <a:rPr lang="ko-KR" altLang="en-US" smtClean="0"/>
-              <a:t>2020-11-26</a:t>
+              <a:t>2020-11-27</a:t>
             </a:fld>
             <a:endParaRPr lang="ko-KR" altLang="en-US"/>
           </a:p>
@@ -2385,7 +2383,7 @@
           <a:p>
             <a:fld id="{DF63C8CB-9154-4208-8E7E-1C8A89E94898}" type="datetimeFigureOut">
               <a:rPr lang="ko-KR" altLang="en-US" smtClean="0"/>
-              <a:t>2020-11-26</a:t>
+              <a:t>2020-11-27</a:t>
             </a:fld>
             <a:endParaRPr lang="ko-KR" altLang="en-US"/>
           </a:p>
@@ -2673,7 +2671,7 @@
           <a:p>
             <a:fld id="{DF63C8CB-9154-4208-8E7E-1C8A89E94898}" type="datetimeFigureOut">
               <a:rPr lang="ko-KR" altLang="en-US" smtClean="0"/>
-              <a:t>2020-11-26</a:t>
+              <a:t>2020-11-27</a:t>
             </a:fld>
             <a:endParaRPr lang="ko-KR" altLang="en-US"/>
           </a:p>
@@ -2914,7 +2912,7 @@
           <a:p>
             <a:fld id="{DF63C8CB-9154-4208-8E7E-1C8A89E94898}" type="datetimeFigureOut">
               <a:rPr lang="ko-KR" altLang="en-US" smtClean="0"/>
-              <a:t>2020-11-26</a:t>
+              <a:t>2020-11-27</a:t>
             </a:fld>
             <a:endParaRPr lang="ko-KR" altLang="en-US"/>
           </a:p>
@@ -4624,389 +4622,6 @@
           <a:chExt cx="0" cy="0"/>
         </a:xfrm>
       </p:grpSpPr>
-      <p:grpSp>
-        <p:nvGrpSpPr>
-          <p:cNvPr id="8" name="그룹 7">
-            <a:extLst>
-              <a:ext uri="{FF2B5EF4-FFF2-40B4-BE49-F238E27FC236}">
-                <a16:creationId xmlns:a16="http://schemas.microsoft.com/office/drawing/2014/main" id="{E577D84A-7ECA-46E2-AA0C-920996849508}"/>
-              </a:ext>
-            </a:extLst>
-          </p:cNvPr>
-          <p:cNvGrpSpPr/>
-          <p:nvPr/>
-        </p:nvGrpSpPr>
-        <p:grpSpPr>
-          <a:xfrm>
-            <a:off x="1452693" y="372371"/>
-            <a:ext cx="9286613" cy="6113258"/>
-            <a:chOff x="673216" y="372371"/>
-            <a:chExt cx="9286613" cy="6113258"/>
-          </a:xfrm>
-        </p:grpSpPr>
-        <p:sp>
-          <p:nvSpPr>
-            <p:cNvPr id="9" name="타원 8">
-              <a:extLst>
-                <a:ext uri="{FF2B5EF4-FFF2-40B4-BE49-F238E27FC236}">
-                  <a16:creationId xmlns:a16="http://schemas.microsoft.com/office/drawing/2014/main" id="{BBCBA798-2800-4C39-9349-AEECF1EE6686}"/>
-                </a:ext>
-              </a:extLst>
-            </p:cNvPr>
-            <p:cNvSpPr/>
-            <p:nvPr/>
-          </p:nvSpPr>
-          <p:spPr>
-            <a:xfrm>
-              <a:off x="4758655" y="372371"/>
-              <a:ext cx="5201174" cy="5201174"/>
-            </a:xfrm>
-            <a:prstGeom prst="ellipse">
-              <a:avLst/>
-            </a:prstGeom>
-            <a:solidFill>
-              <a:schemeClr val="tx1">
-                <a:lumMod val="75000"/>
-                <a:lumOff val="25000"/>
-              </a:schemeClr>
-            </a:solidFill>
-            <a:ln>
-              <a:noFill/>
-            </a:ln>
-          </p:spPr>
-          <p:style>
-            <a:lnRef idx="2">
-              <a:schemeClr val="accent1">
-                <a:shade val="50000"/>
-              </a:schemeClr>
-            </a:lnRef>
-            <a:fillRef idx="1">
-              <a:schemeClr val="accent1"/>
-            </a:fillRef>
-            <a:effectRef idx="0">
-              <a:schemeClr val="accent1"/>
-            </a:effectRef>
-            <a:fontRef idx="minor">
-              <a:schemeClr val="lt1"/>
-            </a:fontRef>
-          </p:style>
-          <p:txBody>
-            <a:bodyPr rtlCol="0" anchor="ctr"/>
-            <a:lstStyle/>
-            <a:p>
-              <a:pPr algn="ctr"/>
-              <a:endParaRPr lang="ko-KR" altLang="en-US" dirty="0"/>
-            </a:p>
-          </p:txBody>
-        </p:sp>
-        <p:sp>
-          <p:nvSpPr>
-            <p:cNvPr id="10" name="자유형: 도형 9">
-              <a:extLst>
-                <a:ext uri="{FF2B5EF4-FFF2-40B4-BE49-F238E27FC236}">
-                  <a16:creationId xmlns:a16="http://schemas.microsoft.com/office/drawing/2014/main" id="{C4C1A05B-9BF9-4D60-8120-595780804117}"/>
-                </a:ext>
-              </a:extLst>
-            </p:cNvPr>
-            <p:cNvSpPr/>
-            <p:nvPr/>
-          </p:nvSpPr>
-          <p:spPr>
-            <a:xfrm>
-              <a:off x="673216" y="933037"/>
-              <a:ext cx="9286613" cy="5552592"/>
-            </a:xfrm>
-            <a:custGeom>
-              <a:avLst/>
-              <a:gdLst>
-                <a:gd name="connsiteX0" fmla="*/ 3572486 w 9286613"/>
-                <a:gd name="connsiteY0" fmla="*/ 0 h 5552592"/>
-                <a:gd name="connsiteX1" fmla="*/ 5265442 w 9286613"/>
-                <a:gd name="connsiteY1" fmla="*/ 1527749 h 5552592"/>
-                <a:gd name="connsiteX2" fmla="*/ 5269692 w 9286613"/>
-                <a:gd name="connsiteY2" fmla="*/ 1611906 h 5552592"/>
-                <a:gd name="connsiteX3" fmla="*/ 5320143 w 9286613"/>
-                <a:gd name="connsiteY3" fmla="*/ 1565496 h 5552592"/>
-                <a:gd name="connsiteX4" fmla="*/ 6209951 w 9286613"/>
-                <a:gd name="connsiteY4" fmla="*/ 1242182 h 5552592"/>
-                <a:gd name="connsiteX5" fmla="*/ 7601594 w 9286613"/>
-                <a:gd name="connsiteY5" fmla="*/ 2513279 h 5552592"/>
-                <a:gd name="connsiteX6" fmla="*/ 7605758 w 9286613"/>
-                <a:gd name="connsiteY6" fmla="*/ 2596744 h 5552592"/>
-                <a:gd name="connsiteX7" fmla="*/ 7701092 w 9286613"/>
-                <a:gd name="connsiteY7" fmla="*/ 2596744 h 5552592"/>
-                <a:gd name="connsiteX8" fmla="*/ 7701092 w 9286613"/>
-                <a:gd name="connsiteY8" fmla="*/ 2601682 h 5552592"/>
-                <a:gd name="connsiteX9" fmla="*/ 7799490 w 9286613"/>
-                <a:gd name="connsiteY9" fmla="*/ 2596744 h 5552592"/>
-                <a:gd name="connsiteX10" fmla="*/ 9286613 w 9286613"/>
-                <a:gd name="connsiteY10" fmla="*/ 4074668 h 5552592"/>
-                <a:gd name="connsiteX11" fmla="*/ 7799490 w 9286613"/>
-                <a:gd name="connsiteY11" fmla="*/ 5552592 h 5552592"/>
-                <a:gd name="connsiteX12" fmla="*/ 7701092 w 9286613"/>
-                <a:gd name="connsiteY12" fmla="*/ 5547654 h 5552592"/>
-                <a:gd name="connsiteX13" fmla="*/ 7701092 w 9286613"/>
-                <a:gd name="connsiteY13" fmla="*/ 5551066 h 5552592"/>
-                <a:gd name="connsiteX14" fmla="*/ 1761690 w 9286613"/>
-                <a:gd name="connsiteY14" fmla="*/ 5551066 h 5552592"/>
-                <a:gd name="connsiteX15" fmla="*/ 1761690 w 9286613"/>
-                <a:gd name="connsiteY15" fmla="*/ 5545559 h 5552592"/>
-                <a:gd name="connsiteX16" fmla="*/ 1652631 w 9286613"/>
-                <a:gd name="connsiteY16" fmla="*/ 5551066 h 5552592"/>
-                <a:gd name="connsiteX17" fmla="*/ 0 w 9286613"/>
-                <a:gd name="connsiteY17" fmla="*/ 3898435 h 5552592"/>
-                <a:gd name="connsiteX18" fmla="*/ 1652631 w 9286613"/>
-                <a:gd name="connsiteY18" fmla="*/ 2245804 h 5552592"/>
-                <a:gd name="connsiteX19" fmla="*/ 1904311 w 9286613"/>
-                <a:gd name="connsiteY19" fmla="*/ 2264846 h 5552592"/>
-                <a:gd name="connsiteX20" fmla="*/ 1972946 w 9286613"/>
-                <a:gd name="connsiteY20" fmla="*/ 2277990 h 5552592"/>
-                <a:gd name="connsiteX21" fmla="*/ 1947251 w 9286613"/>
-                <a:gd name="connsiteY21" fmla="*/ 2207788 h 5552592"/>
-                <a:gd name="connsiteX22" fmla="*/ 1870744 w 9286613"/>
-                <a:gd name="connsiteY22" fmla="*/ 1701742 h 5552592"/>
-                <a:gd name="connsiteX23" fmla="*/ 3572486 w 9286613"/>
-                <a:gd name="connsiteY23" fmla="*/ 0 h 5552592"/>
-              </a:gdLst>
-              <a:ahLst/>
-              <a:cxnLst>
-                <a:cxn ang="0">
-                  <a:pos x="connsiteX0" y="connsiteY0"/>
-                </a:cxn>
-                <a:cxn ang="0">
-                  <a:pos x="connsiteX1" y="connsiteY1"/>
-                </a:cxn>
-                <a:cxn ang="0">
-                  <a:pos x="connsiteX2" y="connsiteY2"/>
-                </a:cxn>
-                <a:cxn ang="0">
-                  <a:pos x="connsiteX3" y="connsiteY3"/>
-                </a:cxn>
-                <a:cxn ang="0">
-                  <a:pos x="connsiteX4" y="connsiteY4"/>
-                </a:cxn>
-                <a:cxn ang="0">
-                  <a:pos x="connsiteX5" y="connsiteY5"/>
-                </a:cxn>
-                <a:cxn ang="0">
-                  <a:pos x="connsiteX6" y="connsiteY6"/>
-                </a:cxn>
-                <a:cxn ang="0">
-                  <a:pos x="connsiteX7" y="connsiteY7"/>
-                </a:cxn>
-                <a:cxn ang="0">
-                  <a:pos x="connsiteX8" y="connsiteY8"/>
-                </a:cxn>
-                <a:cxn ang="0">
-                  <a:pos x="connsiteX9" y="connsiteY9"/>
-                </a:cxn>
-                <a:cxn ang="0">
-                  <a:pos x="connsiteX10" y="connsiteY10"/>
-                </a:cxn>
-                <a:cxn ang="0">
-                  <a:pos x="connsiteX11" y="connsiteY11"/>
-                </a:cxn>
-                <a:cxn ang="0">
-                  <a:pos x="connsiteX12" y="connsiteY12"/>
-                </a:cxn>
-                <a:cxn ang="0">
-                  <a:pos x="connsiteX13" y="connsiteY13"/>
-                </a:cxn>
-                <a:cxn ang="0">
-                  <a:pos x="connsiteX14" y="connsiteY14"/>
-                </a:cxn>
-                <a:cxn ang="0">
-                  <a:pos x="connsiteX15" y="connsiteY15"/>
-                </a:cxn>
-                <a:cxn ang="0">
-                  <a:pos x="connsiteX16" y="connsiteY16"/>
-                </a:cxn>
-                <a:cxn ang="0">
-                  <a:pos x="connsiteX17" y="connsiteY17"/>
-                </a:cxn>
-                <a:cxn ang="0">
-                  <a:pos x="connsiteX18" y="connsiteY18"/>
-                </a:cxn>
-                <a:cxn ang="0">
-                  <a:pos x="connsiteX19" y="connsiteY19"/>
-                </a:cxn>
-                <a:cxn ang="0">
-                  <a:pos x="connsiteX20" y="connsiteY20"/>
-                </a:cxn>
-                <a:cxn ang="0">
-                  <a:pos x="connsiteX21" y="connsiteY21"/>
-                </a:cxn>
-                <a:cxn ang="0">
-                  <a:pos x="connsiteX22" y="connsiteY22"/>
-                </a:cxn>
-                <a:cxn ang="0">
-                  <a:pos x="connsiteX23" y="connsiteY23"/>
-                </a:cxn>
-              </a:cxnLst>
-              <a:rect l="l" t="t" r="r" b="b"/>
-              <a:pathLst>
-                <a:path w="9286613" h="5552592">
-                  <a:moveTo>
-                    <a:pt x="3572486" y="0"/>
-                  </a:moveTo>
-                  <a:cubicBezTo>
-                    <a:pt x="4453592" y="0"/>
-                    <a:pt x="5178296" y="669635"/>
-                    <a:pt x="5265442" y="1527749"/>
-                  </a:cubicBezTo>
-                  <a:lnTo>
-                    <a:pt x="5269692" y="1611906"/>
-                  </a:lnTo>
-                  <a:lnTo>
-                    <a:pt x="5320143" y="1565496"/>
-                  </a:lnTo>
-                  <a:cubicBezTo>
-                    <a:pt x="5561949" y="1363515"/>
-                    <a:pt x="5871951" y="1242182"/>
-                    <a:pt x="6209951" y="1242182"/>
-                  </a:cubicBezTo>
-                  <a:cubicBezTo>
-                    <a:pt x="6934237" y="1242182"/>
-                    <a:pt x="7529958" y="1799323"/>
-                    <a:pt x="7601594" y="2513279"/>
-                  </a:cubicBezTo>
-                  <a:lnTo>
-                    <a:pt x="7605758" y="2596744"/>
-                  </a:lnTo>
-                  <a:lnTo>
-                    <a:pt x="7701092" y="2596744"/>
-                  </a:lnTo>
-                  <a:lnTo>
-                    <a:pt x="7701092" y="2601682"/>
-                  </a:lnTo>
-                  <a:lnTo>
-                    <a:pt x="7799490" y="2596744"/>
-                  </a:lnTo>
-                  <a:cubicBezTo>
-                    <a:pt x="8620805" y="2596744"/>
-                    <a:pt x="9286613" y="3258433"/>
-                    <a:pt x="9286613" y="4074668"/>
-                  </a:cubicBezTo>
-                  <a:cubicBezTo>
-                    <a:pt x="9286613" y="4890903"/>
-                    <a:pt x="8620805" y="5552592"/>
-                    <a:pt x="7799490" y="5552592"/>
-                  </a:cubicBezTo>
-                  <a:lnTo>
-                    <a:pt x="7701092" y="5547654"/>
-                  </a:lnTo>
-                  <a:lnTo>
-                    <a:pt x="7701092" y="5551066"/>
-                  </a:lnTo>
-                  <a:lnTo>
-                    <a:pt x="1761690" y="5551066"/>
-                  </a:lnTo>
-                  <a:lnTo>
-                    <a:pt x="1761690" y="5545559"/>
-                  </a:lnTo>
-                  <a:lnTo>
-                    <a:pt x="1652631" y="5551066"/>
-                  </a:lnTo>
-                  <a:cubicBezTo>
-                    <a:pt x="739908" y="5551066"/>
-                    <a:pt x="0" y="4811158"/>
-                    <a:pt x="0" y="3898435"/>
-                  </a:cubicBezTo>
-                  <a:cubicBezTo>
-                    <a:pt x="0" y="2985712"/>
-                    <a:pt x="739908" y="2245804"/>
-                    <a:pt x="1652631" y="2245804"/>
-                  </a:cubicBezTo>
-                  <a:cubicBezTo>
-                    <a:pt x="1738199" y="2245804"/>
-                    <a:pt x="1822248" y="2252307"/>
-                    <a:pt x="1904311" y="2264846"/>
-                  </a:cubicBezTo>
-                  <a:lnTo>
-                    <a:pt x="1972946" y="2277990"/>
-                  </a:lnTo>
-                  <a:lnTo>
-                    <a:pt x="1947251" y="2207788"/>
-                  </a:lnTo>
-                  <a:cubicBezTo>
-                    <a:pt x="1897530" y="2047928"/>
-                    <a:pt x="1870744" y="1877963"/>
-                    <a:pt x="1870744" y="1701742"/>
-                  </a:cubicBezTo>
-                  <a:cubicBezTo>
-                    <a:pt x="1870744" y="761896"/>
-                    <a:pt x="2632640" y="0"/>
-                    <a:pt x="3572486" y="0"/>
-                  </a:cubicBezTo>
-                  <a:close/>
-                </a:path>
-              </a:pathLst>
-            </a:custGeom>
-            <a:solidFill>
-              <a:schemeClr val="bg1">
-                <a:lumMod val="85000"/>
-              </a:schemeClr>
-            </a:solidFill>
-            <a:ln w="238125">
-              <a:noFill/>
-            </a:ln>
-          </p:spPr>
-          <p:style>
-            <a:lnRef idx="2">
-              <a:schemeClr val="accent1">
-                <a:shade val="50000"/>
-              </a:schemeClr>
-            </a:lnRef>
-            <a:fillRef idx="1">
-              <a:schemeClr val="accent1"/>
-            </a:fillRef>
-            <a:effectRef idx="0">
-              <a:schemeClr val="accent1"/>
-            </a:effectRef>
-            <a:fontRef idx="minor">
-              <a:schemeClr val="lt1"/>
-            </a:fontRef>
-          </p:style>
-          <p:txBody>
-            <a:bodyPr rtlCol="0" anchor="ctr"/>
-            <a:lstStyle/>
-            <a:p>
-              <a:pPr algn="ctr"/>
-              <a:endParaRPr lang="ko-KR" altLang="en-US" dirty="0"/>
-            </a:p>
-          </p:txBody>
-        </p:sp>
-      </p:grpSp>
-    </p:spTree>
-    <p:extLst>
-      <p:ext uri="{BB962C8B-B14F-4D97-AF65-F5344CB8AC3E}">
-        <p14:creationId xmlns:p14="http://schemas.microsoft.com/office/powerpoint/2010/main" val="858236738"/>
-      </p:ext>
-    </p:extLst>
-  </p:cSld>
-  <p:clrMapOvr>
-    <a:masterClrMapping/>
-  </p:clrMapOvr>
-</p:sld>
-</file>
-
-<file path=ppt/slides/slide5.xml><?xml version="1.0" encoding="utf-8"?>
-<p:sld xmlns:a="http://schemas.openxmlformats.org/drawingml/2006/main" xmlns:r="http://schemas.openxmlformats.org/officeDocument/2006/relationships" xmlns:p="http://schemas.openxmlformats.org/presentationml/2006/main">
-  <p:cSld>
-    <p:spTree>
-      <p:nvGrpSpPr>
-        <p:cNvPr id="1" name=""/>
-        <p:cNvGrpSpPr/>
-        <p:nvPr/>
-      </p:nvGrpSpPr>
-      <p:grpSpPr>
-        <a:xfrm>
-          <a:off x="0" y="0"/>
-          <a:ext cx="0" cy="0"/>
-          <a:chOff x="0" y="0"/>
-          <a:chExt cx="0" cy="0"/>
-        </a:xfrm>
-      </p:grpSpPr>
       <p:sp>
         <p:nvSpPr>
           <p:cNvPr id="4" name="타원 3">
@@ -5063,36 +4678,6 @@
     <p:extLst>
       <p:ext uri="{BB962C8B-B14F-4D97-AF65-F5344CB8AC3E}">
         <p14:creationId xmlns:p14="http://schemas.microsoft.com/office/powerpoint/2010/main" val="679923399"/>
-      </p:ext>
-    </p:extLst>
-  </p:cSld>
-  <p:clrMapOvr>
-    <a:masterClrMapping/>
-  </p:clrMapOvr>
-</p:sld>
-</file>
-
-<file path=ppt/slides/slide6.xml><?xml version="1.0" encoding="utf-8"?>
-<p:sld xmlns:a="http://schemas.openxmlformats.org/drawingml/2006/main" xmlns:r="http://schemas.openxmlformats.org/officeDocument/2006/relationships" xmlns:p="http://schemas.openxmlformats.org/presentationml/2006/main">
-  <p:cSld>
-    <p:spTree>
-      <p:nvGrpSpPr>
-        <p:cNvPr id="1" name=""/>
-        <p:cNvGrpSpPr/>
-        <p:nvPr/>
-      </p:nvGrpSpPr>
-      <p:grpSpPr>
-        <a:xfrm>
-          <a:off x="0" y="0"/>
-          <a:ext cx="0" cy="0"/>
-          <a:chOff x="0" y="0"/>
-          <a:chExt cx="0" cy="0"/>
-        </a:xfrm>
-      </p:grpSpPr>
-    </p:spTree>
-    <p:extLst>
-      <p:ext uri="{BB962C8B-B14F-4D97-AF65-F5344CB8AC3E}">
-        <p14:creationId xmlns:p14="http://schemas.microsoft.com/office/powerpoint/2010/main" val="4137740844"/>
       </p:ext>
     </p:extLst>
   </p:cSld>
